--- a/(0) Template.pptx
+++ b/(0) Template.pptx
@@ -198,7 +198,7 @@
           <a:p>
             <a:fld id="{4299902A-6DB3-4A13-9B91-BEABFDA2FC16}" type="datetimeFigureOut">
               <a:rPr lang="en-US" smtClean="0"/>
-              <a:t>3/28/2022</a:t>
+              <a:t>8/11/2022</a:t>
             </a:fld>
             <a:endParaRPr lang="en-US"/>
           </a:p>
@@ -3308,7 +3308,7 @@
         </p:nvPicPr>
         <p:blipFill rotWithShape="1">
           <a:blip r:embed="rId13">
-            <a:alphaModFix amt="85000"/>
+            <a:alphaModFix/>
             <a:extLst>
               <a:ext uri="{28A0092B-C50C-407E-A947-70E740481C1C}">
                 <a14:useLocalDpi xmlns:a14="http://schemas.microsoft.com/office/drawing/2010/main" val="0"/>

--- a/(0) Template.pptx
+++ b/(0) Template.pptx
@@ -5,11 +5,12 @@
     <p:sldMasterId id="2147483648" r:id="rId1"/>
   </p:sldMasterIdLst>
   <p:notesMasterIdLst>
-    <p:notesMasterId r:id="rId4"/>
+    <p:notesMasterId r:id="rId5"/>
   </p:notesMasterIdLst>
   <p:sldIdLst>
     <p:sldId id="256" r:id="rId2"/>
     <p:sldId id="257" r:id="rId3"/>
+    <p:sldId id="258" r:id="rId4"/>
   </p:sldIdLst>
   <p:sldSz cx="12192000" cy="6858000"/>
   <p:notesSz cx="6858000" cy="9144000"/>
@@ -198,7 +199,7 @@
           <a:p>
             <a:fld id="{4299902A-6DB3-4A13-9B91-BEABFDA2FC16}" type="datetimeFigureOut">
               <a:rPr lang="en-US" smtClean="0"/>
-              <a:t>8/11/2022</a:t>
+              <a:t>8/17/2022</a:t>
             </a:fld>
             <a:endParaRPr lang="en-US"/>
           </a:p>
@@ -793,404 +794,6 @@
 </p:sldLayout>
 </file>
 
-<file path=ppt/slideLayouts/slideLayout10.xml><?xml version="1.0" encoding="utf-8"?>
-<p:sldLayout xmlns:a="http://schemas.openxmlformats.org/drawingml/2006/main" xmlns:r="http://schemas.openxmlformats.org/officeDocument/2006/relationships" xmlns:p="http://schemas.openxmlformats.org/presentationml/2006/main" type="vertTx" preserve="1">
-  <p:cSld name="Title and Vertical Text">
-    <p:spTree>
-      <p:nvGrpSpPr>
-        <p:cNvPr id="1" name=""/>
-        <p:cNvGrpSpPr/>
-        <p:nvPr/>
-      </p:nvGrpSpPr>
-      <p:grpSpPr>
-        <a:xfrm>
-          <a:off x="0" y="0"/>
-          <a:ext cx="0" cy="0"/>
-          <a:chOff x="0" y="0"/>
-          <a:chExt cx="0" cy="0"/>
-        </a:xfrm>
-      </p:grpSpPr>
-      <p:sp>
-        <p:nvSpPr>
-          <p:cNvPr id="2" name="Title 1">
-            <a:extLst>
-              <a:ext uri="{FF2B5EF4-FFF2-40B4-BE49-F238E27FC236}">
-                <a16:creationId xmlns:a16="http://schemas.microsoft.com/office/drawing/2014/main" id="{FDC7FE3E-279B-4F94-9B6C-43A7E7B4D7B9}"/>
-              </a:ext>
-            </a:extLst>
-          </p:cNvPr>
-          <p:cNvSpPr>
-            <a:spLocks noGrp="1"/>
-          </p:cNvSpPr>
-          <p:nvPr>
-            <p:ph type="title"/>
-          </p:nvPr>
-        </p:nvSpPr>
-        <p:spPr/>
-        <p:txBody>
-          <a:bodyPr/>
-          <a:lstStyle/>
-          <a:p>
-            <a:r>
-              <a:rPr lang="en-US"/>
-              <a:t>Click to edit Master title style</a:t>
-            </a:r>
-          </a:p>
-        </p:txBody>
-      </p:sp>
-      <p:sp>
-        <p:nvSpPr>
-          <p:cNvPr id="3" name="Vertical Text Placeholder 2">
-            <a:extLst>
-              <a:ext uri="{FF2B5EF4-FFF2-40B4-BE49-F238E27FC236}">
-                <a16:creationId xmlns:a16="http://schemas.microsoft.com/office/drawing/2014/main" id="{733FF67E-A0D6-4650-94B2-49F76E71DA36}"/>
-              </a:ext>
-            </a:extLst>
-          </p:cNvPr>
-          <p:cNvSpPr>
-            <a:spLocks noGrp="1"/>
-          </p:cNvSpPr>
-          <p:nvPr>
-            <p:ph type="body" orient="vert" idx="1"/>
-          </p:nvPr>
-        </p:nvSpPr>
-        <p:spPr/>
-        <p:txBody>
-          <a:bodyPr vert="eaVert"/>
-          <a:lstStyle/>
-          <a:p>
-            <a:pPr lvl="0"/>
-            <a:r>
-              <a:rPr lang="en-US"/>
-              <a:t>Click to edit Master text styles</a:t>
-            </a:r>
-          </a:p>
-          <a:p>
-            <a:pPr lvl="1"/>
-            <a:r>
-              <a:rPr lang="en-US"/>
-              <a:t>Second level</a:t>
-            </a:r>
-          </a:p>
-          <a:p>
-            <a:pPr lvl="2"/>
-            <a:r>
-              <a:rPr lang="en-US"/>
-              <a:t>Third level</a:t>
-            </a:r>
-          </a:p>
-          <a:p>
-            <a:pPr lvl="3"/>
-            <a:r>
-              <a:rPr lang="en-US"/>
-              <a:t>Fourth level</a:t>
-            </a:r>
-          </a:p>
-          <a:p>
-            <a:pPr lvl="4"/>
-            <a:r>
-              <a:rPr lang="en-US"/>
-              <a:t>Fifth level</a:t>
-            </a:r>
-          </a:p>
-        </p:txBody>
-      </p:sp>
-      <p:sp>
-        <p:nvSpPr>
-          <p:cNvPr id="4" name="Date Placeholder 3">
-            <a:extLst>
-              <a:ext uri="{FF2B5EF4-FFF2-40B4-BE49-F238E27FC236}">
-                <a16:creationId xmlns:a16="http://schemas.microsoft.com/office/drawing/2014/main" id="{A2F969F7-F628-4948-9C6B-D187A8C88CB6}"/>
-              </a:ext>
-            </a:extLst>
-          </p:cNvPr>
-          <p:cNvSpPr>
-            <a:spLocks noGrp="1"/>
-          </p:cNvSpPr>
-          <p:nvPr>
-            <p:ph type="dt" sz="half" idx="10"/>
-          </p:nvPr>
-        </p:nvSpPr>
-        <p:spPr/>
-        <p:txBody>
-          <a:bodyPr/>
-          <a:lstStyle/>
-          <a:p>
-            <a:endParaRPr lang="en-US"/>
-          </a:p>
-        </p:txBody>
-      </p:sp>
-      <p:sp>
-        <p:nvSpPr>
-          <p:cNvPr id="5" name="Footer Placeholder 4">
-            <a:extLst>
-              <a:ext uri="{FF2B5EF4-FFF2-40B4-BE49-F238E27FC236}">
-                <a16:creationId xmlns:a16="http://schemas.microsoft.com/office/drawing/2014/main" id="{296912B5-E4BD-48E9-8095-F1EDD862F0CA}"/>
-              </a:ext>
-            </a:extLst>
-          </p:cNvPr>
-          <p:cNvSpPr>
-            <a:spLocks noGrp="1"/>
-          </p:cNvSpPr>
-          <p:nvPr>
-            <p:ph type="ftr" sz="quarter" idx="11"/>
-          </p:nvPr>
-        </p:nvSpPr>
-        <p:spPr/>
-        <p:txBody>
-          <a:bodyPr/>
-          <a:lstStyle/>
-          <a:p>
-            <a:endParaRPr lang="en-US"/>
-          </a:p>
-        </p:txBody>
-      </p:sp>
-      <p:sp>
-        <p:nvSpPr>
-          <p:cNvPr id="6" name="Slide Number Placeholder 5">
-            <a:extLst>
-              <a:ext uri="{FF2B5EF4-FFF2-40B4-BE49-F238E27FC236}">
-                <a16:creationId xmlns:a16="http://schemas.microsoft.com/office/drawing/2014/main" id="{664301A4-8003-4D8C-8A09-8F142FE65C2A}"/>
-              </a:ext>
-            </a:extLst>
-          </p:cNvPr>
-          <p:cNvSpPr>
-            <a:spLocks noGrp="1"/>
-          </p:cNvSpPr>
-          <p:nvPr>
-            <p:ph type="sldNum" sz="quarter" idx="12"/>
-          </p:nvPr>
-        </p:nvSpPr>
-        <p:spPr/>
-        <p:txBody>
-          <a:bodyPr/>
-          <a:lstStyle/>
-          <a:p>
-            <a:fld id="{5911C0E6-D9CE-431C-92CB-BB39B872F930}" type="slidenum">
-              <a:rPr lang="en-US" smtClean="0"/>
-              <a:t>‹#›</a:t>
-            </a:fld>
-            <a:endParaRPr lang="en-US"/>
-          </a:p>
-        </p:txBody>
-      </p:sp>
-    </p:spTree>
-    <p:extLst>
-      <p:ext uri="{BB962C8B-B14F-4D97-AF65-F5344CB8AC3E}">
-        <p14:creationId xmlns:p14="http://schemas.microsoft.com/office/powerpoint/2010/main" val="4236959394"/>
-      </p:ext>
-    </p:extLst>
-  </p:cSld>
-  <p:clrMapOvr>
-    <a:masterClrMapping/>
-  </p:clrMapOvr>
-</p:sldLayout>
-</file>
-
-<file path=ppt/slideLayouts/slideLayout11.xml><?xml version="1.0" encoding="utf-8"?>
-<p:sldLayout xmlns:a="http://schemas.openxmlformats.org/drawingml/2006/main" xmlns:r="http://schemas.openxmlformats.org/officeDocument/2006/relationships" xmlns:p="http://schemas.openxmlformats.org/presentationml/2006/main" type="vertTitleAndTx" preserve="1">
-  <p:cSld name="Vertical Title and Text">
-    <p:spTree>
-      <p:nvGrpSpPr>
-        <p:cNvPr id="1" name=""/>
-        <p:cNvGrpSpPr/>
-        <p:nvPr/>
-      </p:nvGrpSpPr>
-      <p:grpSpPr>
-        <a:xfrm>
-          <a:off x="0" y="0"/>
-          <a:ext cx="0" cy="0"/>
-          <a:chOff x="0" y="0"/>
-          <a:chExt cx="0" cy="0"/>
-        </a:xfrm>
-      </p:grpSpPr>
-      <p:sp>
-        <p:nvSpPr>
-          <p:cNvPr id="2" name="Vertical Title 1">
-            <a:extLst>
-              <a:ext uri="{FF2B5EF4-FFF2-40B4-BE49-F238E27FC236}">
-                <a16:creationId xmlns:a16="http://schemas.microsoft.com/office/drawing/2014/main" id="{066926A2-C9B6-4E02-91E5-B95F5CAD1DFC}"/>
-              </a:ext>
-            </a:extLst>
-          </p:cNvPr>
-          <p:cNvSpPr>
-            <a:spLocks noGrp="1"/>
-          </p:cNvSpPr>
-          <p:nvPr>
-            <p:ph type="title" orient="vert"/>
-          </p:nvPr>
-        </p:nvSpPr>
-        <p:spPr>
-          <a:xfrm>
-            <a:off x="8724900" y="365125"/>
-            <a:ext cx="2628900" cy="5811838"/>
-          </a:xfrm>
-        </p:spPr>
-        <p:txBody>
-          <a:bodyPr vert="eaVert"/>
-          <a:lstStyle/>
-          <a:p>
-            <a:r>
-              <a:rPr lang="en-US"/>
-              <a:t>Click to edit Master title style</a:t>
-            </a:r>
-          </a:p>
-        </p:txBody>
-      </p:sp>
-      <p:sp>
-        <p:nvSpPr>
-          <p:cNvPr id="3" name="Vertical Text Placeholder 2">
-            <a:extLst>
-              <a:ext uri="{FF2B5EF4-FFF2-40B4-BE49-F238E27FC236}">
-                <a16:creationId xmlns:a16="http://schemas.microsoft.com/office/drawing/2014/main" id="{DB341540-0DC2-40CC-9A9E-483A77A7E175}"/>
-              </a:ext>
-            </a:extLst>
-          </p:cNvPr>
-          <p:cNvSpPr>
-            <a:spLocks noGrp="1"/>
-          </p:cNvSpPr>
-          <p:nvPr>
-            <p:ph type="body" orient="vert" idx="1"/>
-          </p:nvPr>
-        </p:nvSpPr>
-        <p:spPr>
-          <a:xfrm>
-            <a:off x="838200" y="365125"/>
-            <a:ext cx="7734300" cy="5811838"/>
-          </a:xfrm>
-        </p:spPr>
-        <p:txBody>
-          <a:bodyPr vert="eaVert"/>
-          <a:lstStyle/>
-          <a:p>
-            <a:pPr lvl="0"/>
-            <a:r>
-              <a:rPr lang="en-US"/>
-              <a:t>Click to edit Master text styles</a:t>
-            </a:r>
-          </a:p>
-          <a:p>
-            <a:pPr lvl="1"/>
-            <a:r>
-              <a:rPr lang="en-US"/>
-              <a:t>Second level</a:t>
-            </a:r>
-          </a:p>
-          <a:p>
-            <a:pPr lvl="2"/>
-            <a:r>
-              <a:rPr lang="en-US"/>
-              <a:t>Third level</a:t>
-            </a:r>
-          </a:p>
-          <a:p>
-            <a:pPr lvl="3"/>
-            <a:r>
-              <a:rPr lang="en-US"/>
-              <a:t>Fourth level</a:t>
-            </a:r>
-          </a:p>
-          <a:p>
-            <a:pPr lvl="4"/>
-            <a:r>
-              <a:rPr lang="en-US"/>
-              <a:t>Fifth level</a:t>
-            </a:r>
-          </a:p>
-        </p:txBody>
-      </p:sp>
-      <p:sp>
-        <p:nvSpPr>
-          <p:cNvPr id="4" name="Date Placeholder 3">
-            <a:extLst>
-              <a:ext uri="{FF2B5EF4-FFF2-40B4-BE49-F238E27FC236}">
-                <a16:creationId xmlns:a16="http://schemas.microsoft.com/office/drawing/2014/main" id="{3F92CD48-D633-4C43-90AE-0B62A13EA12D}"/>
-              </a:ext>
-            </a:extLst>
-          </p:cNvPr>
-          <p:cNvSpPr>
-            <a:spLocks noGrp="1"/>
-          </p:cNvSpPr>
-          <p:nvPr>
-            <p:ph type="dt" sz="half" idx="10"/>
-          </p:nvPr>
-        </p:nvSpPr>
-        <p:spPr/>
-        <p:txBody>
-          <a:bodyPr/>
-          <a:lstStyle/>
-          <a:p>
-            <a:endParaRPr lang="en-US"/>
-          </a:p>
-        </p:txBody>
-      </p:sp>
-      <p:sp>
-        <p:nvSpPr>
-          <p:cNvPr id="5" name="Footer Placeholder 4">
-            <a:extLst>
-              <a:ext uri="{FF2B5EF4-FFF2-40B4-BE49-F238E27FC236}">
-                <a16:creationId xmlns:a16="http://schemas.microsoft.com/office/drawing/2014/main" id="{72F14EAC-B30D-4677-BA8E-2870B5699DCA}"/>
-              </a:ext>
-            </a:extLst>
-          </p:cNvPr>
-          <p:cNvSpPr>
-            <a:spLocks noGrp="1"/>
-          </p:cNvSpPr>
-          <p:nvPr>
-            <p:ph type="ftr" sz="quarter" idx="11"/>
-          </p:nvPr>
-        </p:nvSpPr>
-        <p:spPr/>
-        <p:txBody>
-          <a:bodyPr/>
-          <a:lstStyle/>
-          <a:p>
-            <a:endParaRPr lang="en-US"/>
-          </a:p>
-        </p:txBody>
-      </p:sp>
-      <p:sp>
-        <p:nvSpPr>
-          <p:cNvPr id="6" name="Slide Number Placeholder 5">
-            <a:extLst>
-              <a:ext uri="{FF2B5EF4-FFF2-40B4-BE49-F238E27FC236}">
-                <a16:creationId xmlns:a16="http://schemas.microsoft.com/office/drawing/2014/main" id="{CA3CD924-51D3-4D42-BA25-10269C6EF8CB}"/>
-              </a:ext>
-            </a:extLst>
-          </p:cNvPr>
-          <p:cNvSpPr>
-            <a:spLocks noGrp="1"/>
-          </p:cNvSpPr>
-          <p:nvPr>
-            <p:ph type="sldNum" sz="quarter" idx="12"/>
-          </p:nvPr>
-        </p:nvSpPr>
-        <p:spPr/>
-        <p:txBody>
-          <a:bodyPr/>
-          <a:lstStyle/>
-          <a:p>
-            <a:fld id="{5911C0E6-D9CE-431C-92CB-BB39B872F930}" type="slidenum">
-              <a:rPr lang="en-US" smtClean="0"/>
-              <a:t>‹#›</a:t>
-            </a:fld>
-            <a:endParaRPr lang="en-US"/>
-          </a:p>
-        </p:txBody>
-      </p:sp>
-    </p:spTree>
-    <p:extLst>
-      <p:ext uri="{BB962C8B-B14F-4D97-AF65-F5344CB8AC3E}">
-        <p14:creationId xmlns:p14="http://schemas.microsoft.com/office/powerpoint/2010/main" val="3956969722"/>
-      </p:ext>
-    </p:extLst>
-  </p:cSld>
-  <p:clrMapOvr>
-    <a:masterClrMapping/>
-  </p:clrMapOvr>
-</p:sldLayout>
-</file>
-
 <file path=ppt/slideLayouts/slideLayout2.xml><?xml version="1.0" encoding="utf-8"?>
 <p:sldLayout xmlns:a="http://schemas.openxmlformats.org/drawingml/2006/main" xmlns:r="http://schemas.openxmlformats.org/officeDocument/2006/relationships" xmlns:p="http://schemas.openxmlformats.org/presentationml/2006/main" type="obj" preserve="1">
   <p:cSld name="Title and Content">
@@ -1564,1013 +1167,6 @@
 </file>
 
 <file path=ppt/slideLayouts/slideLayout4.xml><?xml version="1.0" encoding="utf-8"?>
-<p:sldLayout xmlns:a="http://schemas.openxmlformats.org/drawingml/2006/main" xmlns:r="http://schemas.openxmlformats.org/officeDocument/2006/relationships" xmlns:p="http://schemas.openxmlformats.org/presentationml/2006/main" type="secHead" preserve="1">
-  <p:cSld name="Section Header">
-    <p:spTree>
-      <p:nvGrpSpPr>
-        <p:cNvPr id="1" name=""/>
-        <p:cNvGrpSpPr/>
-        <p:nvPr/>
-      </p:nvGrpSpPr>
-      <p:grpSpPr>
-        <a:xfrm>
-          <a:off x="0" y="0"/>
-          <a:ext cx="0" cy="0"/>
-          <a:chOff x="0" y="0"/>
-          <a:chExt cx="0" cy="0"/>
-        </a:xfrm>
-      </p:grpSpPr>
-      <p:pic>
-        <p:nvPicPr>
-          <p:cNvPr id="7" name="Picture 6">
-            <a:extLst>
-              <a:ext uri="{FF2B5EF4-FFF2-40B4-BE49-F238E27FC236}">
-                <a16:creationId xmlns:a16="http://schemas.microsoft.com/office/drawing/2014/main" id="{23062FA5-F665-45A1-AB5C-C99DB2A8C72F}"/>
-              </a:ext>
-            </a:extLst>
-          </p:cNvPr>
-          <p:cNvPicPr>
-            <a:picLocks noChangeAspect="1"/>
-          </p:cNvPicPr>
-          <p:nvPr userDrawn="1"/>
-        </p:nvPicPr>
-        <p:blipFill>
-          <a:blip r:embed="rId2">
-            <a:extLst>
-              <a:ext uri="{28A0092B-C50C-407E-A947-70E740481C1C}">
-                <a14:useLocalDpi xmlns:a14="http://schemas.microsoft.com/office/drawing/2010/main" val="0"/>
-              </a:ext>
-            </a:extLst>
-          </a:blip>
-          <a:stretch>
-            <a:fillRect/>
-          </a:stretch>
-        </p:blipFill>
-        <p:spPr>
-          <a:xfrm>
-            <a:off x="0" y="0"/>
-            <a:ext cx="12192000" cy="6858000"/>
-          </a:xfrm>
-          <a:prstGeom prst="rect">
-            <a:avLst/>
-          </a:prstGeom>
-        </p:spPr>
-      </p:pic>
-      <p:sp>
-        <p:nvSpPr>
-          <p:cNvPr id="2" name="Title 1">
-            <a:extLst>
-              <a:ext uri="{FF2B5EF4-FFF2-40B4-BE49-F238E27FC236}">
-                <a16:creationId xmlns:a16="http://schemas.microsoft.com/office/drawing/2014/main" id="{DBFB904A-C29B-4D87-997F-4AF5D55328CE}"/>
-              </a:ext>
-            </a:extLst>
-          </p:cNvPr>
-          <p:cNvSpPr>
-            <a:spLocks noGrp="1"/>
-          </p:cNvSpPr>
-          <p:nvPr>
-            <p:ph type="title"/>
-          </p:nvPr>
-        </p:nvSpPr>
-        <p:spPr>
-          <a:xfrm>
-            <a:off x="831850" y="1709738"/>
-            <a:ext cx="10515600" cy="2852737"/>
-          </a:xfrm>
-        </p:spPr>
-        <p:txBody>
-          <a:bodyPr anchor="b"/>
-          <a:lstStyle>
-            <a:lvl1pPr>
-              <a:defRPr sz="6000">
-                <a:solidFill>
-                  <a:schemeClr val="bg1"/>
-                </a:solidFill>
-              </a:defRPr>
-            </a:lvl1pPr>
-          </a:lstStyle>
-          <a:p>
-            <a:r>
-              <a:rPr lang="en-US" dirty="0"/>
-              <a:t>Click to edit Master title style</a:t>
-            </a:r>
-          </a:p>
-        </p:txBody>
-      </p:sp>
-      <p:sp>
-        <p:nvSpPr>
-          <p:cNvPr id="3" name="Text Placeholder 2">
-            <a:extLst>
-              <a:ext uri="{FF2B5EF4-FFF2-40B4-BE49-F238E27FC236}">
-                <a16:creationId xmlns:a16="http://schemas.microsoft.com/office/drawing/2014/main" id="{16B9EE61-FDFA-4A03-B22A-6267F6380427}"/>
-              </a:ext>
-            </a:extLst>
-          </p:cNvPr>
-          <p:cNvSpPr>
-            <a:spLocks noGrp="1"/>
-          </p:cNvSpPr>
-          <p:nvPr>
-            <p:ph type="body" idx="1"/>
-          </p:nvPr>
-        </p:nvSpPr>
-        <p:spPr>
-          <a:xfrm>
-            <a:off x="831850" y="4589463"/>
-            <a:ext cx="10515600" cy="1500187"/>
-          </a:xfrm>
-        </p:spPr>
-        <p:txBody>
-          <a:bodyPr/>
-          <a:lstStyle>
-            <a:lvl1pPr marL="0" indent="0">
-              <a:buNone/>
-              <a:defRPr sz="2400">
-                <a:solidFill>
-                  <a:schemeClr val="bg1"/>
-                </a:solidFill>
-                <a:latin typeface="FreightSans Pro Semibold" panose="02000603040000020004" pitchFamily="50" charset="0"/>
-              </a:defRPr>
-            </a:lvl1pPr>
-            <a:lvl2pPr marL="457200" indent="0">
-              <a:buNone/>
-              <a:defRPr sz="2000">
-                <a:solidFill>
-                  <a:schemeClr val="tx1">
-                    <a:tint val="75000"/>
-                  </a:schemeClr>
-                </a:solidFill>
-              </a:defRPr>
-            </a:lvl2pPr>
-            <a:lvl3pPr marL="914400" indent="0">
-              <a:buNone/>
-              <a:defRPr sz="1800">
-                <a:solidFill>
-                  <a:schemeClr val="tx1">
-                    <a:tint val="75000"/>
-                  </a:schemeClr>
-                </a:solidFill>
-              </a:defRPr>
-            </a:lvl3pPr>
-            <a:lvl4pPr marL="1371600" indent="0">
-              <a:buNone/>
-              <a:defRPr sz="1600">
-                <a:solidFill>
-                  <a:schemeClr val="tx1">
-                    <a:tint val="75000"/>
-                  </a:schemeClr>
-                </a:solidFill>
-              </a:defRPr>
-            </a:lvl4pPr>
-            <a:lvl5pPr marL="1828800" indent="0">
-              <a:buNone/>
-              <a:defRPr sz="1600">
-                <a:solidFill>
-                  <a:schemeClr val="tx1">
-                    <a:tint val="75000"/>
-                  </a:schemeClr>
-                </a:solidFill>
-              </a:defRPr>
-            </a:lvl5pPr>
-            <a:lvl6pPr marL="2286000" indent="0">
-              <a:buNone/>
-              <a:defRPr sz="1600">
-                <a:solidFill>
-                  <a:schemeClr val="tx1">
-                    <a:tint val="75000"/>
-                  </a:schemeClr>
-                </a:solidFill>
-              </a:defRPr>
-            </a:lvl6pPr>
-            <a:lvl7pPr marL="2743200" indent="0">
-              <a:buNone/>
-              <a:defRPr sz="1600">
-                <a:solidFill>
-                  <a:schemeClr val="tx1">
-                    <a:tint val="75000"/>
-                  </a:schemeClr>
-                </a:solidFill>
-              </a:defRPr>
-            </a:lvl7pPr>
-            <a:lvl8pPr marL="3200400" indent="0">
-              <a:buNone/>
-              <a:defRPr sz="1600">
-                <a:solidFill>
-                  <a:schemeClr val="tx1">
-                    <a:tint val="75000"/>
-                  </a:schemeClr>
-                </a:solidFill>
-              </a:defRPr>
-            </a:lvl8pPr>
-            <a:lvl9pPr marL="3657600" indent="0">
-              <a:buNone/>
-              <a:defRPr sz="1600">
-                <a:solidFill>
-                  <a:schemeClr val="tx1">
-                    <a:tint val="75000"/>
-                  </a:schemeClr>
-                </a:solidFill>
-              </a:defRPr>
-            </a:lvl9pPr>
-          </a:lstStyle>
-          <a:p>
-            <a:pPr lvl="0"/>
-            <a:r>
-              <a:rPr lang="en-US" dirty="0"/>
-              <a:t>Click to edit Master text styles</a:t>
-            </a:r>
-          </a:p>
-        </p:txBody>
-      </p:sp>
-      <p:sp>
-        <p:nvSpPr>
-          <p:cNvPr id="4" name="Date Placeholder 3">
-            <a:extLst>
-              <a:ext uri="{FF2B5EF4-FFF2-40B4-BE49-F238E27FC236}">
-                <a16:creationId xmlns:a16="http://schemas.microsoft.com/office/drawing/2014/main" id="{B445A287-DAAF-497B-B796-0670AC7B1A62}"/>
-              </a:ext>
-            </a:extLst>
-          </p:cNvPr>
-          <p:cNvSpPr>
-            <a:spLocks noGrp="1"/>
-          </p:cNvSpPr>
-          <p:nvPr>
-            <p:ph type="dt" sz="half" idx="10"/>
-          </p:nvPr>
-        </p:nvSpPr>
-        <p:spPr/>
-        <p:txBody>
-          <a:bodyPr/>
-          <a:lstStyle>
-            <a:lvl1pPr>
-              <a:defRPr>
-                <a:solidFill>
-                  <a:schemeClr val="bg1"/>
-                </a:solidFill>
-                <a:latin typeface="FreightSans Pro Semibold" panose="02000603040000020004" pitchFamily="50" charset="0"/>
-              </a:defRPr>
-            </a:lvl1pPr>
-          </a:lstStyle>
-          <a:p>
-            <a:endParaRPr lang="en-US" dirty="0"/>
-          </a:p>
-        </p:txBody>
-      </p:sp>
-      <p:sp>
-        <p:nvSpPr>
-          <p:cNvPr id="5" name="Footer Placeholder 4">
-            <a:extLst>
-              <a:ext uri="{FF2B5EF4-FFF2-40B4-BE49-F238E27FC236}">
-                <a16:creationId xmlns:a16="http://schemas.microsoft.com/office/drawing/2014/main" id="{ADFDD82E-573F-4B7A-A60E-19A3F1161A0E}"/>
-              </a:ext>
-            </a:extLst>
-          </p:cNvPr>
-          <p:cNvSpPr>
-            <a:spLocks noGrp="1"/>
-          </p:cNvSpPr>
-          <p:nvPr>
-            <p:ph type="ftr" sz="quarter" idx="11"/>
-          </p:nvPr>
-        </p:nvSpPr>
-        <p:spPr/>
-        <p:txBody>
-          <a:bodyPr/>
-          <a:lstStyle>
-            <a:lvl1pPr>
-              <a:defRPr>
-                <a:solidFill>
-                  <a:schemeClr val="bg1"/>
-                </a:solidFill>
-                <a:latin typeface="FreightSans Pro Semibold" panose="02000603040000020004" pitchFamily="50" charset="0"/>
-              </a:defRPr>
-            </a:lvl1pPr>
-          </a:lstStyle>
-          <a:p>
-            <a:endParaRPr lang="en-US" dirty="0"/>
-          </a:p>
-        </p:txBody>
-      </p:sp>
-      <p:sp>
-        <p:nvSpPr>
-          <p:cNvPr id="6" name="Slide Number Placeholder 5">
-            <a:extLst>
-              <a:ext uri="{FF2B5EF4-FFF2-40B4-BE49-F238E27FC236}">
-                <a16:creationId xmlns:a16="http://schemas.microsoft.com/office/drawing/2014/main" id="{91651E29-F2A6-4F5B-AB8A-C05227CC25C5}"/>
-              </a:ext>
-            </a:extLst>
-          </p:cNvPr>
-          <p:cNvSpPr>
-            <a:spLocks noGrp="1"/>
-          </p:cNvSpPr>
-          <p:nvPr>
-            <p:ph type="sldNum" sz="quarter" idx="12"/>
-          </p:nvPr>
-        </p:nvSpPr>
-        <p:spPr/>
-        <p:txBody>
-          <a:bodyPr/>
-          <a:lstStyle>
-            <a:lvl1pPr>
-              <a:defRPr>
-                <a:solidFill>
-                  <a:schemeClr val="bg1"/>
-                </a:solidFill>
-                <a:latin typeface="FreightSans Pro Semibold" panose="02000603040000020004" pitchFamily="50" charset="0"/>
-              </a:defRPr>
-            </a:lvl1pPr>
-          </a:lstStyle>
-          <a:p>
-            <a:fld id="{5911C0E6-D9CE-431C-92CB-BB39B872F930}" type="slidenum">
-              <a:rPr lang="en-US" smtClean="0"/>
-              <a:pPr/>
-              <a:t>‹#›</a:t>
-            </a:fld>
-            <a:endParaRPr lang="en-US" dirty="0"/>
-          </a:p>
-        </p:txBody>
-      </p:sp>
-    </p:spTree>
-    <p:extLst>
-      <p:ext uri="{BB962C8B-B14F-4D97-AF65-F5344CB8AC3E}">
-        <p14:creationId xmlns:p14="http://schemas.microsoft.com/office/powerpoint/2010/main" val="3764500241"/>
-      </p:ext>
-    </p:extLst>
-  </p:cSld>
-  <p:clrMapOvr>
-    <a:masterClrMapping/>
-  </p:clrMapOvr>
-</p:sldLayout>
-</file>
-
-<file path=ppt/slideLayouts/slideLayout5.xml><?xml version="1.0" encoding="utf-8"?>
-<p:sldLayout xmlns:a="http://schemas.openxmlformats.org/drawingml/2006/main" xmlns:r="http://schemas.openxmlformats.org/officeDocument/2006/relationships" xmlns:p="http://schemas.openxmlformats.org/presentationml/2006/main" type="twoObj" preserve="1">
-  <p:cSld name="Two Content">
-    <p:spTree>
-      <p:nvGrpSpPr>
-        <p:cNvPr id="1" name=""/>
-        <p:cNvGrpSpPr/>
-        <p:nvPr/>
-      </p:nvGrpSpPr>
-      <p:grpSpPr>
-        <a:xfrm>
-          <a:off x="0" y="0"/>
-          <a:ext cx="0" cy="0"/>
-          <a:chOff x="0" y="0"/>
-          <a:chExt cx="0" cy="0"/>
-        </a:xfrm>
-      </p:grpSpPr>
-      <p:sp>
-        <p:nvSpPr>
-          <p:cNvPr id="2" name="Title 1">
-            <a:extLst>
-              <a:ext uri="{FF2B5EF4-FFF2-40B4-BE49-F238E27FC236}">
-                <a16:creationId xmlns:a16="http://schemas.microsoft.com/office/drawing/2014/main" id="{A6A39CD3-9DE4-4C4F-B6EE-735895A7540B}"/>
-              </a:ext>
-            </a:extLst>
-          </p:cNvPr>
-          <p:cNvSpPr>
-            <a:spLocks noGrp="1"/>
-          </p:cNvSpPr>
-          <p:nvPr>
-            <p:ph type="title"/>
-          </p:nvPr>
-        </p:nvSpPr>
-        <p:spPr/>
-        <p:txBody>
-          <a:bodyPr/>
-          <a:lstStyle/>
-          <a:p>
-            <a:r>
-              <a:rPr lang="en-US"/>
-              <a:t>Click to edit Master title style</a:t>
-            </a:r>
-          </a:p>
-        </p:txBody>
-      </p:sp>
-      <p:sp>
-        <p:nvSpPr>
-          <p:cNvPr id="3" name="Content Placeholder 2">
-            <a:extLst>
-              <a:ext uri="{FF2B5EF4-FFF2-40B4-BE49-F238E27FC236}">
-                <a16:creationId xmlns:a16="http://schemas.microsoft.com/office/drawing/2014/main" id="{16863C54-C40A-4706-83B7-17B80E49C1AD}"/>
-              </a:ext>
-            </a:extLst>
-          </p:cNvPr>
-          <p:cNvSpPr>
-            <a:spLocks noGrp="1"/>
-          </p:cNvSpPr>
-          <p:nvPr>
-            <p:ph sz="half" idx="1"/>
-          </p:nvPr>
-        </p:nvSpPr>
-        <p:spPr>
-          <a:xfrm>
-            <a:off x="838200" y="1825625"/>
-            <a:ext cx="5181600" cy="4351338"/>
-          </a:xfrm>
-        </p:spPr>
-        <p:txBody>
-          <a:bodyPr/>
-          <a:lstStyle/>
-          <a:p>
-            <a:pPr lvl="0"/>
-            <a:r>
-              <a:rPr lang="en-US" dirty="0"/>
-              <a:t>Click to edit Master text styles</a:t>
-            </a:r>
-          </a:p>
-          <a:p>
-            <a:pPr lvl="1"/>
-            <a:r>
-              <a:rPr lang="en-US" dirty="0"/>
-              <a:t>Second level</a:t>
-            </a:r>
-          </a:p>
-          <a:p>
-            <a:pPr lvl="2"/>
-            <a:r>
-              <a:rPr lang="en-US" dirty="0"/>
-              <a:t>Third level</a:t>
-            </a:r>
-          </a:p>
-          <a:p>
-            <a:pPr lvl="3"/>
-            <a:r>
-              <a:rPr lang="en-US" dirty="0"/>
-              <a:t>Fourth level</a:t>
-            </a:r>
-          </a:p>
-          <a:p>
-            <a:pPr lvl="4"/>
-            <a:r>
-              <a:rPr lang="en-US" dirty="0"/>
-              <a:t>Fifth level</a:t>
-            </a:r>
-          </a:p>
-        </p:txBody>
-      </p:sp>
-      <p:sp>
-        <p:nvSpPr>
-          <p:cNvPr id="4" name="Content Placeholder 3">
-            <a:extLst>
-              <a:ext uri="{FF2B5EF4-FFF2-40B4-BE49-F238E27FC236}">
-                <a16:creationId xmlns:a16="http://schemas.microsoft.com/office/drawing/2014/main" id="{867A1DB0-ADB8-4E91-AADF-957483E8D9C3}"/>
-              </a:ext>
-            </a:extLst>
-          </p:cNvPr>
-          <p:cNvSpPr>
-            <a:spLocks noGrp="1"/>
-          </p:cNvSpPr>
-          <p:nvPr>
-            <p:ph sz="half" idx="2"/>
-          </p:nvPr>
-        </p:nvSpPr>
-        <p:spPr>
-          <a:xfrm>
-            <a:off x="6172200" y="1825625"/>
-            <a:ext cx="5181600" cy="4351338"/>
-          </a:xfrm>
-        </p:spPr>
-        <p:txBody>
-          <a:bodyPr/>
-          <a:lstStyle/>
-          <a:p>
-            <a:pPr lvl="0"/>
-            <a:r>
-              <a:rPr lang="en-US"/>
-              <a:t>Click to edit Master text styles</a:t>
-            </a:r>
-          </a:p>
-          <a:p>
-            <a:pPr lvl="1"/>
-            <a:r>
-              <a:rPr lang="en-US"/>
-              <a:t>Second level</a:t>
-            </a:r>
-          </a:p>
-          <a:p>
-            <a:pPr lvl="2"/>
-            <a:r>
-              <a:rPr lang="en-US"/>
-              <a:t>Third level</a:t>
-            </a:r>
-          </a:p>
-          <a:p>
-            <a:pPr lvl="3"/>
-            <a:r>
-              <a:rPr lang="en-US"/>
-              <a:t>Fourth level</a:t>
-            </a:r>
-          </a:p>
-          <a:p>
-            <a:pPr lvl="4"/>
-            <a:r>
-              <a:rPr lang="en-US"/>
-              <a:t>Fifth level</a:t>
-            </a:r>
-          </a:p>
-        </p:txBody>
-      </p:sp>
-      <p:sp>
-        <p:nvSpPr>
-          <p:cNvPr id="5" name="Date Placeholder 4">
-            <a:extLst>
-              <a:ext uri="{FF2B5EF4-FFF2-40B4-BE49-F238E27FC236}">
-                <a16:creationId xmlns:a16="http://schemas.microsoft.com/office/drawing/2014/main" id="{BB6CDD6F-E5F5-4BC8-81E7-E27601E15C38}"/>
-              </a:ext>
-            </a:extLst>
-          </p:cNvPr>
-          <p:cNvSpPr>
-            <a:spLocks noGrp="1"/>
-          </p:cNvSpPr>
-          <p:nvPr>
-            <p:ph type="dt" sz="half" idx="10"/>
-          </p:nvPr>
-        </p:nvSpPr>
-        <p:spPr/>
-        <p:txBody>
-          <a:bodyPr/>
-          <a:lstStyle/>
-          <a:p>
-            <a:endParaRPr lang="en-US"/>
-          </a:p>
-        </p:txBody>
-      </p:sp>
-      <p:sp>
-        <p:nvSpPr>
-          <p:cNvPr id="6" name="Footer Placeholder 5">
-            <a:extLst>
-              <a:ext uri="{FF2B5EF4-FFF2-40B4-BE49-F238E27FC236}">
-                <a16:creationId xmlns:a16="http://schemas.microsoft.com/office/drawing/2014/main" id="{1258B2BD-7BFF-4940-9227-9B5BDBE1DEC0}"/>
-              </a:ext>
-            </a:extLst>
-          </p:cNvPr>
-          <p:cNvSpPr>
-            <a:spLocks noGrp="1"/>
-          </p:cNvSpPr>
-          <p:nvPr>
-            <p:ph type="ftr" sz="quarter" idx="11"/>
-          </p:nvPr>
-        </p:nvSpPr>
-        <p:spPr/>
-        <p:txBody>
-          <a:bodyPr/>
-          <a:lstStyle/>
-          <a:p>
-            <a:endParaRPr lang="en-US"/>
-          </a:p>
-        </p:txBody>
-      </p:sp>
-      <p:sp>
-        <p:nvSpPr>
-          <p:cNvPr id="7" name="Slide Number Placeholder 6">
-            <a:extLst>
-              <a:ext uri="{FF2B5EF4-FFF2-40B4-BE49-F238E27FC236}">
-                <a16:creationId xmlns:a16="http://schemas.microsoft.com/office/drawing/2014/main" id="{FDBFBE47-4F02-4A27-A2E0-217DCFF54811}"/>
-              </a:ext>
-            </a:extLst>
-          </p:cNvPr>
-          <p:cNvSpPr>
-            <a:spLocks noGrp="1"/>
-          </p:cNvSpPr>
-          <p:nvPr>
-            <p:ph type="sldNum" sz="quarter" idx="12"/>
-          </p:nvPr>
-        </p:nvSpPr>
-        <p:spPr/>
-        <p:txBody>
-          <a:bodyPr/>
-          <a:lstStyle/>
-          <a:p>
-            <a:fld id="{5911C0E6-D9CE-431C-92CB-BB39B872F930}" type="slidenum">
-              <a:rPr lang="en-US" smtClean="0"/>
-              <a:t>‹#›</a:t>
-            </a:fld>
-            <a:endParaRPr lang="en-US"/>
-          </a:p>
-        </p:txBody>
-      </p:sp>
-    </p:spTree>
-    <p:extLst>
-      <p:ext uri="{BB962C8B-B14F-4D97-AF65-F5344CB8AC3E}">
-        <p14:creationId xmlns:p14="http://schemas.microsoft.com/office/powerpoint/2010/main" val="214333187"/>
-      </p:ext>
-    </p:extLst>
-  </p:cSld>
-  <p:clrMapOvr>
-    <a:masterClrMapping/>
-  </p:clrMapOvr>
-</p:sldLayout>
-</file>
-
-<file path=ppt/slideLayouts/slideLayout6.xml><?xml version="1.0" encoding="utf-8"?>
-<p:sldLayout xmlns:a="http://schemas.openxmlformats.org/drawingml/2006/main" xmlns:r="http://schemas.openxmlformats.org/officeDocument/2006/relationships" xmlns:p="http://schemas.openxmlformats.org/presentationml/2006/main" type="twoTxTwoObj" preserve="1">
-  <p:cSld name="Comparison">
-    <p:spTree>
-      <p:nvGrpSpPr>
-        <p:cNvPr id="1" name=""/>
-        <p:cNvGrpSpPr/>
-        <p:nvPr/>
-      </p:nvGrpSpPr>
-      <p:grpSpPr>
-        <a:xfrm>
-          <a:off x="0" y="0"/>
-          <a:ext cx="0" cy="0"/>
-          <a:chOff x="0" y="0"/>
-          <a:chExt cx="0" cy="0"/>
-        </a:xfrm>
-      </p:grpSpPr>
-      <p:sp>
-        <p:nvSpPr>
-          <p:cNvPr id="2" name="Title 1">
-            <a:extLst>
-              <a:ext uri="{FF2B5EF4-FFF2-40B4-BE49-F238E27FC236}">
-                <a16:creationId xmlns:a16="http://schemas.microsoft.com/office/drawing/2014/main" id="{9419CF83-8D29-4555-9FF8-EC2E695F4635}"/>
-              </a:ext>
-            </a:extLst>
-          </p:cNvPr>
-          <p:cNvSpPr>
-            <a:spLocks noGrp="1"/>
-          </p:cNvSpPr>
-          <p:nvPr>
-            <p:ph type="title"/>
-          </p:nvPr>
-        </p:nvSpPr>
-        <p:spPr>
-          <a:xfrm>
-            <a:off x="839788" y="365125"/>
-            <a:ext cx="10515600" cy="1325563"/>
-          </a:xfrm>
-        </p:spPr>
-        <p:txBody>
-          <a:bodyPr/>
-          <a:lstStyle/>
-          <a:p>
-            <a:r>
-              <a:rPr lang="en-US"/>
-              <a:t>Click to edit Master title style</a:t>
-            </a:r>
-          </a:p>
-        </p:txBody>
-      </p:sp>
-      <p:sp>
-        <p:nvSpPr>
-          <p:cNvPr id="3" name="Text Placeholder 2">
-            <a:extLst>
-              <a:ext uri="{FF2B5EF4-FFF2-40B4-BE49-F238E27FC236}">
-                <a16:creationId xmlns:a16="http://schemas.microsoft.com/office/drawing/2014/main" id="{999CBFEC-721F-4B00-A944-81BE5F540C82}"/>
-              </a:ext>
-            </a:extLst>
-          </p:cNvPr>
-          <p:cNvSpPr>
-            <a:spLocks noGrp="1"/>
-          </p:cNvSpPr>
-          <p:nvPr>
-            <p:ph type="body" idx="1"/>
-          </p:nvPr>
-        </p:nvSpPr>
-        <p:spPr>
-          <a:xfrm>
-            <a:off x="839788" y="1681163"/>
-            <a:ext cx="5157787" cy="823912"/>
-          </a:xfrm>
-        </p:spPr>
-        <p:txBody>
-          <a:bodyPr anchor="b"/>
-          <a:lstStyle>
-            <a:lvl1pPr marL="0" indent="0">
-              <a:buNone/>
-              <a:defRPr sz="2400" b="1"/>
-            </a:lvl1pPr>
-            <a:lvl2pPr marL="457200" indent="0">
-              <a:buNone/>
-              <a:defRPr sz="2000" b="1"/>
-            </a:lvl2pPr>
-            <a:lvl3pPr marL="914400" indent="0">
-              <a:buNone/>
-              <a:defRPr sz="1800" b="1"/>
-            </a:lvl3pPr>
-            <a:lvl4pPr marL="1371600" indent="0">
-              <a:buNone/>
-              <a:defRPr sz="1600" b="1"/>
-            </a:lvl4pPr>
-            <a:lvl5pPr marL="1828800" indent="0">
-              <a:buNone/>
-              <a:defRPr sz="1600" b="1"/>
-            </a:lvl5pPr>
-            <a:lvl6pPr marL="2286000" indent="0">
-              <a:buNone/>
-              <a:defRPr sz="1600" b="1"/>
-            </a:lvl6pPr>
-            <a:lvl7pPr marL="2743200" indent="0">
-              <a:buNone/>
-              <a:defRPr sz="1600" b="1"/>
-            </a:lvl7pPr>
-            <a:lvl8pPr marL="3200400" indent="0">
-              <a:buNone/>
-              <a:defRPr sz="1600" b="1"/>
-            </a:lvl8pPr>
-            <a:lvl9pPr marL="3657600" indent="0">
-              <a:buNone/>
-              <a:defRPr sz="1600" b="1"/>
-            </a:lvl9pPr>
-          </a:lstStyle>
-          <a:p>
-            <a:pPr lvl="0"/>
-            <a:r>
-              <a:rPr lang="en-US"/>
-              <a:t>Click to edit Master text styles</a:t>
-            </a:r>
-          </a:p>
-        </p:txBody>
-      </p:sp>
-      <p:sp>
-        <p:nvSpPr>
-          <p:cNvPr id="4" name="Content Placeholder 3">
-            <a:extLst>
-              <a:ext uri="{FF2B5EF4-FFF2-40B4-BE49-F238E27FC236}">
-                <a16:creationId xmlns:a16="http://schemas.microsoft.com/office/drawing/2014/main" id="{4F58B627-6ED1-4608-BB7B-88BFEF260049}"/>
-              </a:ext>
-            </a:extLst>
-          </p:cNvPr>
-          <p:cNvSpPr>
-            <a:spLocks noGrp="1"/>
-          </p:cNvSpPr>
-          <p:nvPr>
-            <p:ph sz="half" idx="2"/>
-          </p:nvPr>
-        </p:nvSpPr>
-        <p:spPr>
-          <a:xfrm>
-            <a:off x="839788" y="2505075"/>
-            <a:ext cx="5157787" cy="3684588"/>
-          </a:xfrm>
-        </p:spPr>
-        <p:txBody>
-          <a:bodyPr/>
-          <a:lstStyle/>
-          <a:p>
-            <a:pPr lvl="0"/>
-            <a:r>
-              <a:rPr lang="en-US"/>
-              <a:t>Click to edit Master text styles</a:t>
-            </a:r>
-          </a:p>
-          <a:p>
-            <a:pPr lvl="1"/>
-            <a:r>
-              <a:rPr lang="en-US"/>
-              <a:t>Second level</a:t>
-            </a:r>
-          </a:p>
-          <a:p>
-            <a:pPr lvl="2"/>
-            <a:r>
-              <a:rPr lang="en-US"/>
-              <a:t>Third level</a:t>
-            </a:r>
-          </a:p>
-          <a:p>
-            <a:pPr lvl="3"/>
-            <a:r>
-              <a:rPr lang="en-US"/>
-              <a:t>Fourth level</a:t>
-            </a:r>
-          </a:p>
-          <a:p>
-            <a:pPr lvl="4"/>
-            <a:r>
-              <a:rPr lang="en-US"/>
-              <a:t>Fifth level</a:t>
-            </a:r>
-          </a:p>
-        </p:txBody>
-      </p:sp>
-      <p:sp>
-        <p:nvSpPr>
-          <p:cNvPr id="5" name="Text Placeholder 4">
-            <a:extLst>
-              <a:ext uri="{FF2B5EF4-FFF2-40B4-BE49-F238E27FC236}">
-                <a16:creationId xmlns:a16="http://schemas.microsoft.com/office/drawing/2014/main" id="{61392499-63F6-4A01-9560-E2055450570D}"/>
-              </a:ext>
-            </a:extLst>
-          </p:cNvPr>
-          <p:cNvSpPr>
-            <a:spLocks noGrp="1"/>
-          </p:cNvSpPr>
-          <p:nvPr>
-            <p:ph type="body" sz="quarter" idx="3"/>
-          </p:nvPr>
-        </p:nvSpPr>
-        <p:spPr>
-          <a:xfrm>
-            <a:off x="6172200" y="1681163"/>
-            <a:ext cx="5183188" cy="823912"/>
-          </a:xfrm>
-        </p:spPr>
-        <p:txBody>
-          <a:bodyPr anchor="b"/>
-          <a:lstStyle>
-            <a:lvl1pPr marL="0" indent="0">
-              <a:buNone/>
-              <a:defRPr sz="2400" b="1"/>
-            </a:lvl1pPr>
-            <a:lvl2pPr marL="457200" indent="0">
-              <a:buNone/>
-              <a:defRPr sz="2000" b="1"/>
-            </a:lvl2pPr>
-            <a:lvl3pPr marL="914400" indent="0">
-              <a:buNone/>
-              <a:defRPr sz="1800" b="1"/>
-            </a:lvl3pPr>
-            <a:lvl4pPr marL="1371600" indent="0">
-              <a:buNone/>
-              <a:defRPr sz="1600" b="1"/>
-            </a:lvl4pPr>
-            <a:lvl5pPr marL="1828800" indent="0">
-              <a:buNone/>
-              <a:defRPr sz="1600" b="1"/>
-            </a:lvl5pPr>
-            <a:lvl6pPr marL="2286000" indent="0">
-              <a:buNone/>
-              <a:defRPr sz="1600" b="1"/>
-            </a:lvl6pPr>
-            <a:lvl7pPr marL="2743200" indent="0">
-              <a:buNone/>
-              <a:defRPr sz="1600" b="1"/>
-            </a:lvl7pPr>
-            <a:lvl8pPr marL="3200400" indent="0">
-              <a:buNone/>
-              <a:defRPr sz="1600" b="1"/>
-            </a:lvl8pPr>
-            <a:lvl9pPr marL="3657600" indent="0">
-              <a:buNone/>
-              <a:defRPr sz="1600" b="1"/>
-            </a:lvl9pPr>
-          </a:lstStyle>
-          <a:p>
-            <a:pPr lvl="0"/>
-            <a:r>
-              <a:rPr lang="en-US"/>
-              <a:t>Click to edit Master text styles</a:t>
-            </a:r>
-          </a:p>
-        </p:txBody>
-      </p:sp>
-      <p:sp>
-        <p:nvSpPr>
-          <p:cNvPr id="6" name="Content Placeholder 5">
-            <a:extLst>
-              <a:ext uri="{FF2B5EF4-FFF2-40B4-BE49-F238E27FC236}">
-                <a16:creationId xmlns:a16="http://schemas.microsoft.com/office/drawing/2014/main" id="{E0EFBD71-7A56-4D2D-A16A-16B140C43A91}"/>
-              </a:ext>
-            </a:extLst>
-          </p:cNvPr>
-          <p:cNvSpPr>
-            <a:spLocks noGrp="1"/>
-          </p:cNvSpPr>
-          <p:nvPr>
-            <p:ph sz="quarter" idx="4"/>
-          </p:nvPr>
-        </p:nvSpPr>
-        <p:spPr>
-          <a:xfrm>
-            <a:off x="6172200" y="2505075"/>
-            <a:ext cx="5183188" cy="3684588"/>
-          </a:xfrm>
-        </p:spPr>
-        <p:txBody>
-          <a:bodyPr/>
-          <a:lstStyle/>
-          <a:p>
-            <a:pPr lvl="0"/>
-            <a:r>
-              <a:rPr lang="en-US"/>
-              <a:t>Click to edit Master text styles</a:t>
-            </a:r>
-          </a:p>
-          <a:p>
-            <a:pPr lvl="1"/>
-            <a:r>
-              <a:rPr lang="en-US"/>
-              <a:t>Second level</a:t>
-            </a:r>
-          </a:p>
-          <a:p>
-            <a:pPr lvl="2"/>
-            <a:r>
-              <a:rPr lang="en-US"/>
-              <a:t>Third level</a:t>
-            </a:r>
-          </a:p>
-          <a:p>
-            <a:pPr lvl="3"/>
-            <a:r>
-              <a:rPr lang="en-US"/>
-              <a:t>Fourth level</a:t>
-            </a:r>
-          </a:p>
-          <a:p>
-            <a:pPr lvl="4"/>
-            <a:r>
-              <a:rPr lang="en-US"/>
-              <a:t>Fifth level</a:t>
-            </a:r>
-          </a:p>
-        </p:txBody>
-      </p:sp>
-      <p:sp>
-        <p:nvSpPr>
-          <p:cNvPr id="7" name="Date Placeholder 6">
-            <a:extLst>
-              <a:ext uri="{FF2B5EF4-FFF2-40B4-BE49-F238E27FC236}">
-                <a16:creationId xmlns:a16="http://schemas.microsoft.com/office/drawing/2014/main" id="{03895288-E3B3-42F5-B83F-D970A719118E}"/>
-              </a:ext>
-            </a:extLst>
-          </p:cNvPr>
-          <p:cNvSpPr>
-            <a:spLocks noGrp="1"/>
-          </p:cNvSpPr>
-          <p:nvPr>
-            <p:ph type="dt" sz="half" idx="10"/>
-          </p:nvPr>
-        </p:nvSpPr>
-        <p:spPr/>
-        <p:txBody>
-          <a:bodyPr/>
-          <a:lstStyle/>
-          <a:p>
-            <a:endParaRPr lang="en-US"/>
-          </a:p>
-        </p:txBody>
-      </p:sp>
-      <p:sp>
-        <p:nvSpPr>
-          <p:cNvPr id="8" name="Footer Placeholder 7">
-            <a:extLst>
-              <a:ext uri="{FF2B5EF4-FFF2-40B4-BE49-F238E27FC236}">
-                <a16:creationId xmlns:a16="http://schemas.microsoft.com/office/drawing/2014/main" id="{43A61DF6-AE5E-4DD7-A248-343D341B38A3}"/>
-              </a:ext>
-            </a:extLst>
-          </p:cNvPr>
-          <p:cNvSpPr>
-            <a:spLocks noGrp="1"/>
-          </p:cNvSpPr>
-          <p:nvPr>
-            <p:ph type="ftr" sz="quarter" idx="11"/>
-          </p:nvPr>
-        </p:nvSpPr>
-        <p:spPr/>
-        <p:txBody>
-          <a:bodyPr/>
-          <a:lstStyle/>
-          <a:p>
-            <a:endParaRPr lang="en-US"/>
-          </a:p>
-        </p:txBody>
-      </p:sp>
-      <p:sp>
-        <p:nvSpPr>
-          <p:cNvPr id="9" name="Slide Number Placeholder 8">
-            <a:extLst>
-              <a:ext uri="{FF2B5EF4-FFF2-40B4-BE49-F238E27FC236}">
-                <a16:creationId xmlns:a16="http://schemas.microsoft.com/office/drawing/2014/main" id="{07D6CEAF-E2C7-4F56-B7B7-3C4B19F80430}"/>
-              </a:ext>
-            </a:extLst>
-          </p:cNvPr>
-          <p:cNvSpPr>
-            <a:spLocks noGrp="1"/>
-          </p:cNvSpPr>
-          <p:nvPr>
-            <p:ph type="sldNum" sz="quarter" idx="12"/>
-          </p:nvPr>
-        </p:nvSpPr>
-        <p:spPr/>
-        <p:txBody>
-          <a:bodyPr/>
-          <a:lstStyle/>
-          <a:p>
-            <a:fld id="{5911C0E6-D9CE-431C-92CB-BB39B872F930}" type="slidenum">
-              <a:rPr lang="en-US" smtClean="0"/>
-              <a:t>‹#›</a:t>
-            </a:fld>
-            <a:endParaRPr lang="en-US"/>
-          </a:p>
-        </p:txBody>
-      </p:sp>
-    </p:spTree>
-    <p:extLst>
-      <p:ext uri="{BB962C8B-B14F-4D97-AF65-F5344CB8AC3E}">
-        <p14:creationId xmlns:p14="http://schemas.microsoft.com/office/powerpoint/2010/main" val="2882641564"/>
-      </p:ext>
-    </p:extLst>
-  </p:cSld>
-  <p:clrMapOvr>
-    <a:masterClrMapping/>
-  </p:clrMapOvr>
-</p:sldLayout>
-</file>
-
-<file path=ppt/slideLayouts/slideLayout7.xml><?xml version="1.0" encoding="utf-8"?>
 <p:sldLayout xmlns:a="http://schemas.openxmlformats.org/drawingml/2006/main" xmlns:r="http://schemas.openxmlformats.org/officeDocument/2006/relationships" xmlns:p="http://schemas.openxmlformats.org/presentationml/2006/main" type="blank" preserve="1">
   <p:cSld name="Blank">
     <p:spTree>
@@ -2679,9 +1275,9 @@
 </p:sldLayout>
 </file>
 
-<file path=ppt/slideLayouts/slideLayout8.xml><?xml version="1.0" encoding="utf-8"?>
-<p:sldLayout xmlns:a="http://schemas.openxmlformats.org/drawingml/2006/main" xmlns:r="http://schemas.openxmlformats.org/officeDocument/2006/relationships" xmlns:p="http://schemas.openxmlformats.org/presentationml/2006/main" type="objTx" preserve="1">
-  <p:cSld name="Content with Caption">
+<file path=ppt/slideLayouts/slideLayout5.xml><?xml version="1.0" encoding="utf-8"?>
+<p:sldLayout xmlns:a="http://schemas.openxmlformats.org/drawingml/2006/main" xmlns:r="http://schemas.openxmlformats.org/officeDocument/2006/relationships" xmlns:p="http://schemas.openxmlformats.org/presentationml/2006/main" preserve="1" userDrawn="1">
+  <p:cSld name="SI TOC">
     <p:spTree>
       <p:nvGrpSpPr>
         <p:cNvPr id="1" name=""/>
@@ -2701,205 +1297,39 @@
           <p:cNvPr id="2" name="Title 1">
             <a:extLst>
               <a:ext uri="{FF2B5EF4-FFF2-40B4-BE49-F238E27FC236}">
-                <a16:creationId xmlns:a16="http://schemas.microsoft.com/office/drawing/2014/main" id="{F73716BD-BDDD-404B-A737-D451640E51D7}"/>
-              </a:ext>
-            </a:extLst>
-          </p:cNvPr>
-          <p:cNvSpPr>
-            <a:spLocks noGrp="1"/>
-          </p:cNvSpPr>
-          <p:nvPr>
-            <p:ph type="title"/>
-          </p:nvPr>
-        </p:nvSpPr>
-        <p:spPr>
-          <a:xfrm>
-            <a:off x="839788" y="457200"/>
-            <a:ext cx="3932237" cy="1600200"/>
-          </a:xfrm>
-        </p:spPr>
-        <p:txBody>
-          <a:bodyPr anchor="b"/>
-          <a:lstStyle>
-            <a:lvl1pPr>
-              <a:defRPr sz="3200"/>
-            </a:lvl1pPr>
-          </a:lstStyle>
-          <a:p>
-            <a:r>
-              <a:rPr lang="en-US"/>
-              <a:t>Click to edit Master title style</a:t>
-            </a:r>
-          </a:p>
-        </p:txBody>
-      </p:sp>
-      <p:sp>
-        <p:nvSpPr>
-          <p:cNvPr id="3" name="Content Placeholder 2">
-            <a:extLst>
-              <a:ext uri="{FF2B5EF4-FFF2-40B4-BE49-F238E27FC236}">
-                <a16:creationId xmlns:a16="http://schemas.microsoft.com/office/drawing/2014/main" id="{06D10A48-15AA-440B-94D7-208B6A192EF7}"/>
-              </a:ext>
-            </a:extLst>
-          </p:cNvPr>
-          <p:cNvSpPr>
-            <a:spLocks noGrp="1"/>
-          </p:cNvSpPr>
-          <p:nvPr>
-            <p:ph idx="1"/>
-          </p:nvPr>
-        </p:nvSpPr>
-        <p:spPr>
-          <a:xfrm>
-            <a:off x="5183188" y="987425"/>
-            <a:ext cx="6172200" cy="4873625"/>
-          </a:xfrm>
-        </p:spPr>
+                <a16:creationId xmlns:a16="http://schemas.microsoft.com/office/drawing/2014/main" id="{C6737975-E7E2-C95E-E57A-D699ACD45350}"/>
+              </a:ext>
+            </a:extLst>
+          </p:cNvPr>
+          <p:cNvSpPr>
+            <a:spLocks noGrp="1"/>
+          </p:cNvSpPr>
+          <p:nvPr>
+            <p:ph type="title" hasCustomPrompt="1"/>
+          </p:nvPr>
+        </p:nvSpPr>
+        <p:spPr/>
         <p:txBody>
           <a:bodyPr/>
           <a:lstStyle>
             <a:lvl1pPr>
-              <a:defRPr sz="3200"/>
+              <a:defRPr/>
             </a:lvl1pPr>
-            <a:lvl2pPr>
-              <a:defRPr sz="2800"/>
-            </a:lvl2pPr>
-            <a:lvl3pPr>
-              <a:defRPr sz="2400"/>
-            </a:lvl3pPr>
-            <a:lvl4pPr>
-              <a:defRPr sz="2000"/>
-            </a:lvl4pPr>
-            <a:lvl5pPr>
-              <a:defRPr sz="2000"/>
-            </a:lvl5pPr>
-            <a:lvl6pPr>
-              <a:defRPr sz="2000"/>
-            </a:lvl6pPr>
-            <a:lvl7pPr>
-              <a:defRPr sz="2000"/>
-            </a:lvl7pPr>
-            <a:lvl8pPr>
-              <a:defRPr sz="2000"/>
-            </a:lvl8pPr>
-            <a:lvl9pPr>
-              <a:defRPr sz="2000"/>
-            </a:lvl9pPr>
           </a:lstStyle>
           <a:p>
-            <a:pPr lvl="0"/>
             <a:r>
-              <a:rPr lang="en-US"/>
-              <a:t>Click to edit Master text styles</a:t>
+              <a:rPr lang="en-US" dirty="0"/>
+              <a:t>SI: Table of Contents</a:t>
             </a:r>
           </a:p>
-          <a:p>
-            <a:pPr lvl="1"/>
-            <a:r>
-              <a:rPr lang="en-US"/>
-              <a:t>Second level</a:t>
-            </a:r>
-          </a:p>
-          <a:p>
-            <a:pPr lvl="2"/>
-            <a:r>
-              <a:rPr lang="en-US"/>
-              <a:t>Third level</a:t>
-            </a:r>
-          </a:p>
-          <a:p>
-            <a:pPr lvl="3"/>
-            <a:r>
-              <a:rPr lang="en-US"/>
-              <a:t>Fourth level</a:t>
-            </a:r>
-          </a:p>
-          <a:p>
-            <a:pPr lvl="4"/>
-            <a:r>
-              <a:rPr lang="en-US"/>
-              <a:t>Fifth level</a:t>
-            </a:r>
-          </a:p>
-        </p:txBody>
-      </p:sp>
-      <p:sp>
-        <p:nvSpPr>
-          <p:cNvPr id="4" name="Text Placeholder 3">
-            <a:extLst>
-              <a:ext uri="{FF2B5EF4-FFF2-40B4-BE49-F238E27FC236}">
-                <a16:creationId xmlns:a16="http://schemas.microsoft.com/office/drawing/2014/main" id="{9B1BD622-7B5B-4961-8450-FA006C270CD4}"/>
-              </a:ext>
-            </a:extLst>
-          </p:cNvPr>
-          <p:cNvSpPr>
-            <a:spLocks noGrp="1"/>
-          </p:cNvSpPr>
-          <p:nvPr>
-            <p:ph type="body" sz="half" idx="2"/>
-          </p:nvPr>
-        </p:nvSpPr>
-        <p:spPr>
-          <a:xfrm>
-            <a:off x="839788" y="2057400"/>
-            <a:ext cx="3932237" cy="3811588"/>
-          </a:xfrm>
-        </p:spPr>
-        <p:txBody>
-          <a:bodyPr/>
-          <a:lstStyle>
-            <a:lvl1pPr marL="0" indent="0">
-              <a:buNone/>
-              <a:defRPr sz="1600"/>
-            </a:lvl1pPr>
-            <a:lvl2pPr marL="457200" indent="0">
-              <a:buNone/>
-              <a:defRPr sz="1400"/>
-            </a:lvl2pPr>
-            <a:lvl3pPr marL="914400" indent="0">
-              <a:buNone/>
-              <a:defRPr sz="1200"/>
-            </a:lvl3pPr>
-            <a:lvl4pPr marL="1371600" indent="0">
-              <a:buNone/>
-              <a:defRPr sz="1000"/>
-            </a:lvl4pPr>
-            <a:lvl5pPr marL="1828800" indent="0">
-              <a:buNone/>
-              <a:defRPr sz="1000"/>
-            </a:lvl5pPr>
-            <a:lvl6pPr marL="2286000" indent="0">
-              <a:buNone/>
-              <a:defRPr sz="1000"/>
-            </a:lvl6pPr>
-            <a:lvl7pPr marL="2743200" indent="0">
-              <a:buNone/>
-              <a:defRPr sz="1000"/>
-            </a:lvl7pPr>
-            <a:lvl8pPr marL="3200400" indent="0">
-              <a:buNone/>
-              <a:defRPr sz="1000"/>
-            </a:lvl8pPr>
-            <a:lvl9pPr marL="3657600" indent="0">
-              <a:buNone/>
-              <a:defRPr sz="1000"/>
-            </a:lvl9pPr>
-          </a:lstStyle>
-          <a:p>
-            <a:pPr lvl="0"/>
-            <a:r>
-              <a:rPr lang="en-US"/>
-              <a:t>Click to edit Master text styles</a:t>
-            </a:r>
-          </a:p>
-        </p:txBody>
-      </p:sp>
-      <p:sp>
-        <p:nvSpPr>
-          <p:cNvPr id="5" name="Date Placeholder 4">
-            <a:extLst>
-              <a:ext uri="{FF2B5EF4-FFF2-40B4-BE49-F238E27FC236}">
-                <a16:creationId xmlns:a16="http://schemas.microsoft.com/office/drawing/2014/main" id="{21D8B510-0A2B-4BE4-A2BF-37039DD82919}"/>
+        </p:txBody>
+      </p:sp>
+      <p:sp>
+        <p:nvSpPr>
+          <p:cNvPr id="3" name="Date Placeholder 2">
+            <a:extLst>
+              <a:ext uri="{FF2B5EF4-FFF2-40B4-BE49-F238E27FC236}">
+                <a16:creationId xmlns:a16="http://schemas.microsoft.com/office/drawing/2014/main" id="{D16E0C81-686E-6CE5-DA4D-9604289BCA8E}"/>
               </a:ext>
             </a:extLst>
           </p:cNvPr>
@@ -2921,10 +1351,10 @@
       </p:sp>
       <p:sp>
         <p:nvSpPr>
-          <p:cNvPr id="6" name="Footer Placeholder 5">
-            <a:extLst>
-              <a:ext uri="{FF2B5EF4-FFF2-40B4-BE49-F238E27FC236}">
-                <a16:creationId xmlns:a16="http://schemas.microsoft.com/office/drawing/2014/main" id="{D1560D50-3050-4615-B3DB-A5BD19924991}"/>
+          <p:cNvPr id="4" name="Footer Placeholder 3">
+            <a:extLst>
+              <a:ext uri="{FF2B5EF4-FFF2-40B4-BE49-F238E27FC236}">
+                <a16:creationId xmlns:a16="http://schemas.microsoft.com/office/drawing/2014/main" id="{DF724E9D-A530-CFF5-A90E-570D10761B96}"/>
               </a:ext>
             </a:extLst>
           </p:cNvPr>
@@ -2940,16 +1370,16 @@
           <a:bodyPr/>
           <a:lstStyle/>
           <a:p>
-            <a:endParaRPr lang="en-US"/>
-          </a:p>
-        </p:txBody>
-      </p:sp>
-      <p:sp>
-        <p:nvSpPr>
-          <p:cNvPr id="7" name="Slide Number Placeholder 6">
-            <a:extLst>
-              <a:ext uri="{FF2B5EF4-FFF2-40B4-BE49-F238E27FC236}">
-                <a16:creationId xmlns:a16="http://schemas.microsoft.com/office/drawing/2014/main" id="{0BBF9272-3109-4994-82DF-63220203D3D3}"/>
+            <a:endParaRPr lang="en-US" dirty="0"/>
+          </a:p>
+        </p:txBody>
+      </p:sp>
+      <p:sp>
+        <p:nvSpPr>
+          <p:cNvPr id="5" name="Slide Number Placeholder 4">
+            <a:extLst>
+              <a:ext uri="{FF2B5EF4-FFF2-40B4-BE49-F238E27FC236}">
+                <a16:creationId xmlns:a16="http://schemas.microsoft.com/office/drawing/2014/main" id="{CC7F9EB7-EA69-4D8E-ED2F-3DB6D9A08386}"/>
               </a:ext>
             </a:extLst>
           </p:cNvPr>
@@ -2969,298 +1399,125 @@
               <a:rPr lang="en-US" smtClean="0"/>
               <a:t>‹#›</a:t>
             </a:fld>
-            <a:endParaRPr lang="en-US"/>
+            <a:endParaRPr lang="en-US" dirty="0"/>
+          </a:p>
+        </p:txBody>
+      </p:sp>
+      <p:sp>
+        <p:nvSpPr>
+          <p:cNvPr id="7" name="Text Placeholder 6">
+            <a:extLst>
+              <a:ext uri="{FF2B5EF4-FFF2-40B4-BE49-F238E27FC236}">
+                <a16:creationId xmlns:a16="http://schemas.microsoft.com/office/drawing/2014/main" id="{C1432FB9-3C18-C466-ACEA-EC4AB88C050C}"/>
+              </a:ext>
+            </a:extLst>
+          </p:cNvPr>
+          <p:cNvSpPr>
+            <a:spLocks noGrp="1"/>
+          </p:cNvSpPr>
+          <p:nvPr>
+            <p:ph type="body" sz="quarter" idx="13" hasCustomPrompt="1"/>
+          </p:nvPr>
+        </p:nvSpPr>
+        <p:spPr>
+          <a:xfrm>
+            <a:off x="838200" y="2097241"/>
+            <a:ext cx="9677400" cy="2636684"/>
+          </a:xfrm>
+        </p:spPr>
+        <p:txBody>
+          <a:bodyPr/>
+          <a:lstStyle>
+            <a:lvl1pPr>
+              <a:defRPr/>
+            </a:lvl1pPr>
+            <a:lvl2pPr>
+              <a:defRPr/>
+            </a:lvl2pPr>
+          </a:lstStyle>
+          <a:p>
+            <a:pPr lvl="0"/>
+            <a:r>
+              <a:rPr lang="en-US" dirty="0"/>
+              <a:t>Insert Custom Title Above</a:t>
+            </a:r>
+          </a:p>
+          <a:p>
+            <a:pPr marL="228600" marR="0" lvl="0" indent="-228600" algn="l" defTabSz="914400" rtl="0" eaLnBrk="1" fontAlgn="auto" latinLnBrk="0" hangingPunct="1">
+              <a:lnSpc>
+                <a:spcPct val="150000"/>
+              </a:lnSpc>
+              <a:spcBef>
+                <a:spcPts val="1000"/>
+              </a:spcBef>
+              <a:spcAft>
+                <a:spcPts val="0"/>
+              </a:spcAft>
+              <a:buClrTx/>
+              <a:buSzTx/>
+              <a:buFont typeface="Arial" panose="020B0604020202020204" pitchFamily="34" charset="0"/>
+              <a:buChar char="•"/>
+              <a:tabLst/>
+              <a:defRPr/>
+            </a:pPr>
+            <a:r>
+              <a:rPr lang="en-US" dirty="0"/>
+              <a:t>[ Supp ] Button links here</a:t>
+            </a:r>
+          </a:p>
+          <a:p>
+            <a:pPr marL="685800" marR="0" lvl="1" indent="-228600" algn="l" defTabSz="914400" rtl="0" eaLnBrk="1" fontAlgn="auto" latinLnBrk="0" hangingPunct="1">
+              <a:lnSpc>
+                <a:spcPct val="150000"/>
+              </a:lnSpc>
+              <a:spcBef>
+                <a:spcPts val="1000"/>
+              </a:spcBef>
+              <a:spcAft>
+                <a:spcPts val="0"/>
+              </a:spcAft>
+              <a:buClrTx/>
+              <a:buSzTx/>
+              <a:buFont typeface="Arial" panose="020B0604020202020204" pitchFamily="34" charset="0"/>
+              <a:buChar char="•"/>
+              <a:tabLst/>
+              <a:defRPr/>
+            </a:pPr>
+            <a:r>
+              <a:rPr lang="en-US" dirty="0"/>
+              <a:t>Edit in Slide Master View</a:t>
+            </a:r>
+          </a:p>
+          <a:p>
+            <a:pPr marL="228600" marR="0" lvl="0" indent="-228600" algn="l" defTabSz="914400" rtl="0" eaLnBrk="1" fontAlgn="auto" latinLnBrk="0" hangingPunct="1">
+              <a:lnSpc>
+                <a:spcPct val="150000"/>
+              </a:lnSpc>
+              <a:spcBef>
+                <a:spcPts val="1000"/>
+              </a:spcBef>
+              <a:spcAft>
+                <a:spcPts val="0"/>
+              </a:spcAft>
+              <a:buClrTx/>
+              <a:buSzTx/>
+              <a:buFont typeface="Arial" panose="020B0604020202020204" pitchFamily="34" charset="0"/>
+              <a:buChar char="•"/>
+              <a:tabLst/>
+              <a:defRPr/>
+            </a:pPr>
+            <a:endParaRPr lang="en-US" dirty="0"/>
+          </a:p>
+          <a:p>
+            <a:pPr lvl="0"/>
+            <a:endParaRPr lang="en-US" dirty="0"/>
           </a:p>
         </p:txBody>
       </p:sp>
     </p:spTree>
     <p:extLst>
       <p:ext uri="{BB962C8B-B14F-4D97-AF65-F5344CB8AC3E}">
-        <p14:creationId xmlns:p14="http://schemas.microsoft.com/office/powerpoint/2010/main" val="4232083128"/>
-      </p:ext>
-    </p:extLst>
-  </p:cSld>
-  <p:clrMapOvr>
-    <a:masterClrMapping/>
-  </p:clrMapOvr>
-</p:sldLayout>
-</file>
-
-<file path=ppt/slideLayouts/slideLayout9.xml><?xml version="1.0" encoding="utf-8"?>
-<p:sldLayout xmlns:a="http://schemas.openxmlformats.org/drawingml/2006/main" xmlns:r="http://schemas.openxmlformats.org/officeDocument/2006/relationships" xmlns:p="http://schemas.openxmlformats.org/presentationml/2006/main" type="picTx" preserve="1">
-  <p:cSld name="Picture with Caption">
-    <p:spTree>
-      <p:nvGrpSpPr>
-        <p:cNvPr id="1" name=""/>
-        <p:cNvGrpSpPr/>
-        <p:nvPr/>
-      </p:nvGrpSpPr>
-      <p:grpSpPr>
-        <a:xfrm>
-          <a:off x="0" y="0"/>
-          <a:ext cx="0" cy="0"/>
-          <a:chOff x="0" y="0"/>
-          <a:chExt cx="0" cy="0"/>
-        </a:xfrm>
-      </p:grpSpPr>
-      <p:sp>
-        <p:nvSpPr>
-          <p:cNvPr id="2" name="Title 1">
-            <a:extLst>
-              <a:ext uri="{FF2B5EF4-FFF2-40B4-BE49-F238E27FC236}">
-                <a16:creationId xmlns:a16="http://schemas.microsoft.com/office/drawing/2014/main" id="{FCE1A70D-8DA6-41B3-B0BD-6720143CB8E0}"/>
-              </a:ext>
-            </a:extLst>
-          </p:cNvPr>
-          <p:cNvSpPr>
-            <a:spLocks noGrp="1"/>
-          </p:cNvSpPr>
-          <p:nvPr>
-            <p:ph type="title"/>
-          </p:nvPr>
-        </p:nvSpPr>
-        <p:spPr>
-          <a:xfrm>
-            <a:off x="839788" y="457200"/>
-            <a:ext cx="3932237" cy="1600200"/>
-          </a:xfrm>
-        </p:spPr>
-        <p:txBody>
-          <a:bodyPr anchor="b"/>
-          <a:lstStyle>
-            <a:lvl1pPr>
-              <a:defRPr sz="3200"/>
-            </a:lvl1pPr>
-          </a:lstStyle>
-          <a:p>
-            <a:r>
-              <a:rPr lang="en-US"/>
-              <a:t>Click to edit Master title style</a:t>
-            </a:r>
-          </a:p>
-        </p:txBody>
-      </p:sp>
-      <p:sp>
-        <p:nvSpPr>
-          <p:cNvPr id="3" name="Picture Placeholder 2">
-            <a:extLst>
-              <a:ext uri="{FF2B5EF4-FFF2-40B4-BE49-F238E27FC236}">
-                <a16:creationId xmlns:a16="http://schemas.microsoft.com/office/drawing/2014/main" id="{88C84238-60FD-438B-A4D3-E3183A4338B5}"/>
-              </a:ext>
-            </a:extLst>
-          </p:cNvPr>
-          <p:cNvSpPr>
-            <a:spLocks noGrp="1"/>
-          </p:cNvSpPr>
-          <p:nvPr>
-            <p:ph type="pic" idx="1"/>
-          </p:nvPr>
-        </p:nvSpPr>
-        <p:spPr>
-          <a:xfrm>
-            <a:off x="5183188" y="987425"/>
-            <a:ext cx="6172200" cy="4873625"/>
-          </a:xfrm>
-        </p:spPr>
-        <p:txBody>
-          <a:bodyPr/>
-          <a:lstStyle>
-            <a:lvl1pPr marL="0" indent="0">
-              <a:buNone/>
-              <a:defRPr sz="3200"/>
-            </a:lvl1pPr>
-            <a:lvl2pPr marL="457200" indent="0">
-              <a:buNone/>
-              <a:defRPr sz="2800"/>
-            </a:lvl2pPr>
-            <a:lvl3pPr marL="914400" indent="0">
-              <a:buNone/>
-              <a:defRPr sz="2400"/>
-            </a:lvl3pPr>
-            <a:lvl4pPr marL="1371600" indent="0">
-              <a:buNone/>
-              <a:defRPr sz="2000"/>
-            </a:lvl4pPr>
-            <a:lvl5pPr marL="1828800" indent="0">
-              <a:buNone/>
-              <a:defRPr sz="2000"/>
-            </a:lvl5pPr>
-            <a:lvl6pPr marL="2286000" indent="0">
-              <a:buNone/>
-              <a:defRPr sz="2000"/>
-            </a:lvl6pPr>
-            <a:lvl7pPr marL="2743200" indent="0">
-              <a:buNone/>
-              <a:defRPr sz="2000"/>
-            </a:lvl7pPr>
-            <a:lvl8pPr marL="3200400" indent="0">
-              <a:buNone/>
-              <a:defRPr sz="2000"/>
-            </a:lvl8pPr>
-            <a:lvl9pPr marL="3657600" indent="0">
-              <a:buNone/>
-              <a:defRPr sz="2000"/>
-            </a:lvl9pPr>
-          </a:lstStyle>
-          <a:p>
-            <a:endParaRPr lang="en-US"/>
-          </a:p>
-        </p:txBody>
-      </p:sp>
-      <p:sp>
-        <p:nvSpPr>
-          <p:cNvPr id="4" name="Text Placeholder 3">
-            <a:extLst>
-              <a:ext uri="{FF2B5EF4-FFF2-40B4-BE49-F238E27FC236}">
-                <a16:creationId xmlns:a16="http://schemas.microsoft.com/office/drawing/2014/main" id="{A96F590D-599E-4ACA-8854-9CCCDC01DB5C}"/>
-              </a:ext>
-            </a:extLst>
-          </p:cNvPr>
-          <p:cNvSpPr>
-            <a:spLocks noGrp="1"/>
-          </p:cNvSpPr>
-          <p:nvPr>
-            <p:ph type="body" sz="half" idx="2"/>
-          </p:nvPr>
-        </p:nvSpPr>
-        <p:spPr>
-          <a:xfrm>
-            <a:off x="839788" y="2057400"/>
-            <a:ext cx="3932237" cy="3811588"/>
-          </a:xfrm>
-        </p:spPr>
-        <p:txBody>
-          <a:bodyPr/>
-          <a:lstStyle>
-            <a:lvl1pPr marL="0" indent="0">
-              <a:buNone/>
-              <a:defRPr sz="1600"/>
-            </a:lvl1pPr>
-            <a:lvl2pPr marL="457200" indent="0">
-              <a:buNone/>
-              <a:defRPr sz="1400"/>
-            </a:lvl2pPr>
-            <a:lvl3pPr marL="914400" indent="0">
-              <a:buNone/>
-              <a:defRPr sz="1200"/>
-            </a:lvl3pPr>
-            <a:lvl4pPr marL="1371600" indent="0">
-              <a:buNone/>
-              <a:defRPr sz="1000"/>
-            </a:lvl4pPr>
-            <a:lvl5pPr marL="1828800" indent="0">
-              <a:buNone/>
-              <a:defRPr sz="1000"/>
-            </a:lvl5pPr>
-            <a:lvl6pPr marL="2286000" indent="0">
-              <a:buNone/>
-              <a:defRPr sz="1000"/>
-            </a:lvl6pPr>
-            <a:lvl7pPr marL="2743200" indent="0">
-              <a:buNone/>
-              <a:defRPr sz="1000"/>
-            </a:lvl7pPr>
-            <a:lvl8pPr marL="3200400" indent="0">
-              <a:buNone/>
-              <a:defRPr sz="1000"/>
-            </a:lvl8pPr>
-            <a:lvl9pPr marL="3657600" indent="0">
-              <a:buNone/>
-              <a:defRPr sz="1000"/>
-            </a:lvl9pPr>
-          </a:lstStyle>
-          <a:p>
-            <a:pPr lvl="0"/>
-            <a:r>
-              <a:rPr lang="en-US"/>
-              <a:t>Click to edit Master text styles</a:t>
-            </a:r>
-          </a:p>
-        </p:txBody>
-      </p:sp>
-      <p:sp>
-        <p:nvSpPr>
-          <p:cNvPr id="5" name="Date Placeholder 4">
-            <a:extLst>
-              <a:ext uri="{FF2B5EF4-FFF2-40B4-BE49-F238E27FC236}">
-                <a16:creationId xmlns:a16="http://schemas.microsoft.com/office/drawing/2014/main" id="{A37FB307-B30F-473C-B014-03F8C3E0A856}"/>
-              </a:ext>
-            </a:extLst>
-          </p:cNvPr>
-          <p:cNvSpPr>
-            <a:spLocks noGrp="1"/>
-          </p:cNvSpPr>
-          <p:nvPr>
-            <p:ph type="dt" sz="half" idx="10"/>
-          </p:nvPr>
-        </p:nvSpPr>
-        <p:spPr/>
-        <p:txBody>
-          <a:bodyPr/>
-          <a:lstStyle/>
-          <a:p>
-            <a:endParaRPr lang="en-US"/>
-          </a:p>
-        </p:txBody>
-      </p:sp>
-      <p:sp>
-        <p:nvSpPr>
-          <p:cNvPr id="6" name="Footer Placeholder 5">
-            <a:extLst>
-              <a:ext uri="{FF2B5EF4-FFF2-40B4-BE49-F238E27FC236}">
-                <a16:creationId xmlns:a16="http://schemas.microsoft.com/office/drawing/2014/main" id="{62896B3E-9305-48BB-A601-5A741B66CF00}"/>
-              </a:ext>
-            </a:extLst>
-          </p:cNvPr>
-          <p:cNvSpPr>
-            <a:spLocks noGrp="1"/>
-          </p:cNvSpPr>
-          <p:nvPr>
-            <p:ph type="ftr" sz="quarter" idx="11"/>
-          </p:nvPr>
-        </p:nvSpPr>
-        <p:spPr/>
-        <p:txBody>
-          <a:bodyPr/>
-          <a:lstStyle/>
-          <a:p>
-            <a:endParaRPr lang="en-US"/>
-          </a:p>
-        </p:txBody>
-      </p:sp>
-      <p:sp>
-        <p:nvSpPr>
-          <p:cNvPr id="7" name="Slide Number Placeholder 6">
-            <a:extLst>
-              <a:ext uri="{FF2B5EF4-FFF2-40B4-BE49-F238E27FC236}">
-                <a16:creationId xmlns:a16="http://schemas.microsoft.com/office/drawing/2014/main" id="{D14D4B01-7215-42D9-96F3-99337EFD49E3}"/>
-              </a:ext>
-            </a:extLst>
-          </p:cNvPr>
-          <p:cNvSpPr>
-            <a:spLocks noGrp="1"/>
-          </p:cNvSpPr>
-          <p:nvPr>
-            <p:ph type="sldNum" sz="quarter" idx="12"/>
-          </p:nvPr>
-        </p:nvSpPr>
-        <p:spPr/>
-        <p:txBody>
-          <a:bodyPr/>
-          <a:lstStyle/>
-          <a:p>
-            <a:fld id="{5911C0E6-D9CE-431C-92CB-BB39B872F930}" type="slidenum">
-              <a:rPr lang="en-US" smtClean="0"/>
-              <a:t>‹#›</a:t>
-            </a:fld>
-            <a:endParaRPr lang="en-US"/>
-          </a:p>
-        </p:txBody>
-      </p:sp>
-    </p:spTree>
-    <p:extLst>
-      <p:ext uri="{BB962C8B-B14F-4D97-AF65-F5344CB8AC3E}">
-        <p14:creationId xmlns:p14="http://schemas.microsoft.com/office/powerpoint/2010/main" val="2205565820"/>
+        <p14:creationId xmlns:p14="http://schemas.microsoft.com/office/powerpoint/2010/main" val="266035343"/>
       </p:ext>
     </p:extLst>
   </p:cSld>
@@ -3295,6 +1552,7 @@
       <p:pic>
         <p:nvPicPr>
           <p:cNvPr id="8" name="Picture 7">
+            <a:hlinkClick r:id="" action="ppaction://hlinkshowjump?jump=firstslide"/>
             <a:extLst>
               <a:ext uri="{FF2B5EF4-FFF2-40B4-BE49-F238E27FC236}">
                 <a16:creationId xmlns:a16="http://schemas.microsoft.com/office/drawing/2014/main" id="{9A77EBE3-DE33-473D-B84E-0B96EDA0F26C}"/>
@@ -3307,7 +1565,7 @@
           <p:nvPr userDrawn="1"/>
         </p:nvPicPr>
         <p:blipFill rotWithShape="1">
-          <a:blip r:embed="rId13">
+          <a:blip r:embed="rId7">
             <a:alphaModFix/>
             <a:extLst>
               <a:ext uri="{28A0092B-C50C-407E-A947-70E740481C1C}">
@@ -3566,6 +1824,64 @@
           </a:p>
         </p:txBody>
       </p:sp>
+      <p:sp>
+        <p:nvSpPr>
+          <p:cNvPr id="7" name="Double Bracket 6">
+            <a:hlinkClick r:id="rId8" action="ppaction://hlinksldjump"/>
+            <a:extLst>
+              <a:ext uri="{FF2B5EF4-FFF2-40B4-BE49-F238E27FC236}">
+                <a16:creationId xmlns:a16="http://schemas.microsoft.com/office/drawing/2014/main" id="{5D492677-861D-1835-796E-816F874DF12C}"/>
+              </a:ext>
+            </a:extLst>
+          </p:cNvPr>
+          <p:cNvSpPr/>
+          <p:nvPr userDrawn="1"/>
+        </p:nvSpPr>
+        <p:spPr>
+          <a:xfrm>
+            <a:off x="11580019" y="115585"/>
+            <a:ext cx="502920" cy="173736"/>
+          </a:xfrm>
+          <a:prstGeom prst="bracketPair">
+            <a:avLst/>
+          </a:prstGeom>
+          <a:ln w="19050">
+            <a:solidFill>
+              <a:schemeClr val="bg1"/>
+            </a:solidFill>
+          </a:ln>
+        </p:spPr>
+        <p:style>
+          <a:lnRef idx="1">
+            <a:schemeClr val="accent1"/>
+          </a:lnRef>
+          <a:fillRef idx="0">
+            <a:schemeClr val="accent1"/>
+          </a:fillRef>
+          <a:effectRef idx="0">
+            <a:schemeClr val="accent1"/>
+          </a:effectRef>
+          <a:fontRef idx="minor">
+            <a:schemeClr val="tx1"/>
+          </a:fontRef>
+        </p:style>
+        <p:txBody>
+          <a:bodyPr rtlCol="0" anchor="ctr"/>
+          <a:lstStyle/>
+          <a:p>
+            <a:pPr algn="ctr"/>
+            <a:r>
+              <a:rPr lang="en-US" sz="1100" dirty="0">
+                <a:solidFill>
+                  <a:schemeClr val="bg1"/>
+                </a:solidFill>
+                <a:latin typeface="FreightSans Pro Semibold" panose="02000603040000020004" pitchFamily="50" charset="0"/>
+              </a:rPr>
+              <a:t>Supp</a:t>
+            </a:r>
+          </a:p>
+        </p:txBody>
+      </p:sp>
     </p:spTree>
     <p:extLst>
       <p:ext uri="{BB962C8B-B14F-4D97-AF65-F5344CB8AC3E}">
@@ -3578,14 +1894,8 @@
     <p:sldLayoutId id="2147483649" r:id="rId1"/>
     <p:sldLayoutId id="2147483650" r:id="rId2"/>
     <p:sldLayoutId id="2147483654" r:id="rId3"/>
-    <p:sldLayoutId id="2147483651" r:id="rId4"/>
-    <p:sldLayoutId id="2147483652" r:id="rId5"/>
-    <p:sldLayoutId id="2147483653" r:id="rId6"/>
-    <p:sldLayoutId id="2147483655" r:id="rId7"/>
-    <p:sldLayoutId id="2147483656" r:id="rId8"/>
-    <p:sldLayoutId id="2147483657" r:id="rId9"/>
-    <p:sldLayoutId id="2147483658" r:id="rId10"/>
-    <p:sldLayoutId id="2147483659" r:id="rId11"/>
+    <p:sldLayoutId id="2147483655" r:id="rId4"/>
+    <p:sldLayoutId id="2147483660" r:id="rId5"/>
   </p:sldLayoutIdLst>
   <p:hf hdr="0" ftr="0" dt="0"/>
   <p:txStyles>
@@ -4026,6 +2336,115 @@
     <p:extLst>
       <p:ext uri="{BB962C8B-B14F-4D97-AF65-F5344CB8AC3E}">
         <p14:creationId xmlns:p14="http://schemas.microsoft.com/office/powerpoint/2010/main" val="3762529990"/>
+      </p:ext>
+    </p:extLst>
+  </p:cSld>
+  <p:clrMapOvr>
+    <a:masterClrMapping/>
+  </p:clrMapOvr>
+</p:sld>
+</file>
+
+<file path=ppt/slides/slide3.xml><?xml version="1.0" encoding="utf-8"?>
+<p:sld xmlns:a="http://schemas.openxmlformats.org/drawingml/2006/main" xmlns:r="http://schemas.openxmlformats.org/officeDocument/2006/relationships" xmlns:p="http://schemas.openxmlformats.org/presentationml/2006/main">
+  <p:cSld>
+    <p:spTree>
+      <p:nvGrpSpPr>
+        <p:cNvPr id="1" name=""/>
+        <p:cNvGrpSpPr/>
+        <p:nvPr/>
+      </p:nvGrpSpPr>
+      <p:grpSpPr>
+        <a:xfrm>
+          <a:off x="0" y="0"/>
+          <a:ext cx="0" cy="0"/>
+          <a:chOff x="0" y="0"/>
+          <a:chExt cx="0" cy="0"/>
+        </a:xfrm>
+      </p:grpSpPr>
+      <p:sp>
+        <p:nvSpPr>
+          <p:cNvPr id="2" name="Title 1">
+            <a:extLst>
+              <a:ext uri="{FF2B5EF4-FFF2-40B4-BE49-F238E27FC236}">
+                <a16:creationId xmlns:a16="http://schemas.microsoft.com/office/drawing/2014/main" id="{21D43DE2-68CF-C82A-4FA0-AB56F16A509A}"/>
+              </a:ext>
+            </a:extLst>
+          </p:cNvPr>
+          <p:cNvSpPr>
+            <a:spLocks noGrp="1"/>
+          </p:cNvSpPr>
+          <p:nvPr>
+            <p:ph type="title"/>
+          </p:nvPr>
+        </p:nvSpPr>
+        <p:spPr/>
+        <p:txBody>
+          <a:bodyPr/>
+          <a:lstStyle/>
+          <a:p>
+            <a:endParaRPr lang="en-US" dirty="0"/>
+          </a:p>
+        </p:txBody>
+      </p:sp>
+      <p:sp>
+        <p:nvSpPr>
+          <p:cNvPr id="3" name="Slide Number Placeholder 2">
+            <a:extLst>
+              <a:ext uri="{FF2B5EF4-FFF2-40B4-BE49-F238E27FC236}">
+                <a16:creationId xmlns:a16="http://schemas.microsoft.com/office/drawing/2014/main" id="{BA676DEF-5166-6802-6388-06B61F092EAE}"/>
+              </a:ext>
+            </a:extLst>
+          </p:cNvPr>
+          <p:cNvSpPr>
+            <a:spLocks noGrp="1"/>
+          </p:cNvSpPr>
+          <p:nvPr>
+            <p:ph type="sldNum" sz="quarter" idx="12"/>
+          </p:nvPr>
+        </p:nvSpPr>
+        <p:spPr/>
+        <p:txBody>
+          <a:bodyPr/>
+          <a:lstStyle/>
+          <a:p>
+            <a:fld id="{5911C0E6-D9CE-431C-92CB-BB39B872F930}" type="slidenum">
+              <a:rPr lang="en-US" smtClean="0"/>
+              <a:t>3</a:t>
+            </a:fld>
+            <a:endParaRPr lang="en-US" dirty="0"/>
+          </a:p>
+        </p:txBody>
+      </p:sp>
+      <p:sp>
+        <p:nvSpPr>
+          <p:cNvPr id="4" name="Text Placeholder 3">
+            <a:extLst>
+              <a:ext uri="{FF2B5EF4-FFF2-40B4-BE49-F238E27FC236}">
+                <a16:creationId xmlns:a16="http://schemas.microsoft.com/office/drawing/2014/main" id="{033F5FAB-9580-E1E3-9B1D-CB2A2786C540}"/>
+              </a:ext>
+            </a:extLst>
+          </p:cNvPr>
+          <p:cNvSpPr>
+            <a:spLocks noGrp="1"/>
+          </p:cNvSpPr>
+          <p:nvPr>
+            <p:ph type="body" sz="quarter" idx="13"/>
+          </p:nvPr>
+        </p:nvSpPr>
+        <p:spPr/>
+        <p:txBody>
+          <a:bodyPr/>
+          <a:lstStyle/>
+          <a:p>
+            <a:endParaRPr lang="en-US" dirty="0"/>
+          </a:p>
+        </p:txBody>
+      </p:sp>
+    </p:spTree>
+    <p:extLst>
+      <p:ext uri="{BB962C8B-B14F-4D97-AF65-F5344CB8AC3E}">
+        <p14:creationId xmlns:p14="http://schemas.microsoft.com/office/powerpoint/2010/main" val="482513817"/>
       </p:ext>
     </p:extLst>
   </p:cSld>

--- a/(0) Template.pptx
+++ b/(0) Template.pptx
@@ -5,12 +5,14 @@
     <p:sldMasterId id="2147483648" r:id="rId1"/>
   </p:sldMasterIdLst>
   <p:notesMasterIdLst>
-    <p:notesMasterId r:id="rId5"/>
+    <p:notesMasterId r:id="rId7"/>
   </p:notesMasterIdLst>
   <p:sldIdLst>
     <p:sldId id="256" r:id="rId2"/>
-    <p:sldId id="257" r:id="rId3"/>
-    <p:sldId id="258" r:id="rId4"/>
+    <p:sldId id="259" r:id="rId3"/>
+    <p:sldId id="257" r:id="rId4"/>
+    <p:sldId id="260" r:id="rId5"/>
+    <p:sldId id="262" r:id="rId6"/>
   </p:sldIdLst>
   <p:sldSz cx="12192000" cy="6858000"/>
   <p:notesSz cx="6858000" cy="9144000"/>
@@ -1421,14 +1423,15 @@
         </p:nvSpPr>
         <p:spPr>
           <a:xfrm>
-            <a:off x="838200" y="2097241"/>
-            <a:ext cx="9677400" cy="2636684"/>
+            <a:off x="838200" y="1613847"/>
+            <a:ext cx="9677400" cy="904904"/>
           </a:xfrm>
         </p:spPr>
         <p:txBody>
           <a:bodyPr/>
           <a:lstStyle>
-            <a:lvl1pPr>
+            <a:lvl1pPr marL="0" indent="0">
+              <a:buNone/>
               <a:defRPr/>
             </a:lvl1pPr>
             <a:lvl2pPr>
@@ -1443,50 +1446,8 @@
             </a:r>
           </a:p>
           <a:p>
-            <a:pPr marL="228600" marR="0" lvl="0" indent="-228600" algn="l" defTabSz="914400" rtl="0" eaLnBrk="1" fontAlgn="auto" latinLnBrk="0" hangingPunct="1">
-              <a:lnSpc>
-                <a:spcPct val="150000"/>
-              </a:lnSpc>
-              <a:spcBef>
-                <a:spcPts val="1000"/>
-              </a:spcBef>
-              <a:spcAft>
-                <a:spcPts val="0"/>
-              </a:spcAft>
-              <a:buClrTx/>
-              <a:buSzTx/>
-              <a:buFont typeface="Arial" panose="020B0604020202020204" pitchFamily="34" charset="0"/>
-              <a:buChar char="•"/>
-              <a:tabLst/>
-              <a:defRPr/>
-            </a:pPr>
-            <a:r>
-              <a:rPr lang="en-US" dirty="0"/>
-              <a:t>[ Supp ] Button links here</a:t>
-            </a:r>
-          </a:p>
-          <a:p>
-            <a:pPr marL="685800" marR="0" lvl="1" indent="-228600" algn="l" defTabSz="914400" rtl="0" eaLnBrk="1" fontAlgn="auto" latinLnBrk="0" hangingPunct="1">
-              <a:lnSpc>
-                <a:spcPct val="150000"/>
-              </a:lnSpc>
-              <a:spcBef>
-                <a:spcPts val="1000"/>
-              </a:spcBef>
-              <a:spcAft>
-                <a:spcPts val="0"/>
-              </a:spcAft>
-              <a:buClrTx/>
-              <a:buSzTx/>
-              <a:buFont typeface="Arial" panose="020B0604020202020204" pitchFamily="34" charset="0"/>
-              <a:buChar char="•"/>
-              <a:tabLst/>
-              <a:defRPr/>
-            </a:pPr>
-            <a:r>
-              <a:rPr lang="en-US" dirty="0"/>
-              <a:t>Edit in Slide Master View</a:t>
-            </a:r>
+            <a:pPr lvl="0"/>
+            <a:endParaRPr lang="en-US" dirty="0"/>
           </a:p>
           <a:p>
             <a:pPr marL="228600" marR="0" lvl="0" indent="-228600" algn="l" defTabSz="914400" rtl="0" eaLnBrk="1" fontAlgn="auto" latinLnBrk="0" hangingPunct="1">
@@ -1511,6 +1472,96 @@
           <a:p>
             <a:pPr lvl="0"/>
             <a:endParaRPr lang="en-US" dirty="0"/>
+          </a:p>
+        </p:txBody>
+      </p:sp>
+      <p:sp>
+        <p:nvSpPr>
+          <p:cNvPr id="18" name="Text Placeholder 17">
+            <a:extLst>
+              <a:ext uri="{FF2B5EF4-FFF2-40B4-BE49-F238E27FC236}">
+                <a16:creationId xmlns:a16="http://schemas.microsoft.com/office/drawing/2014/main" id="{FAA0CAFE-1864-D149-5BFB-0ADEC2482383}"/>
+              </a:ext>
+            </a:extLst>
+          </p:cNvPr>
+          <p:cNvSpPr>
+            <a:spLocks noGrp="1"/>
+          </p:cNvSpPr>
+          <p:nvPr>
+            <p:ph type="body" sz="quarter" idx="16" hasCustomPrompt="1"/>
+          </p:nvPr>
+        </p:nvSpPr>
+        <p:spPr>
+          <a:xfrm>
+            <a:off x="838200" y="2679874"/>
+            <a:ext cx="7015163" cy="973137"/>
+          </a:xfrm>
+        </p:spPr>
+        <p:txBody>
+          <a:bodyPr/>
+          <a:lstStyle>
+            <a:lvl1pPr marL="0" indent="0">
+              <a:buNone/>
+              <a:defRPr/>
+            </a:lvl1pPr>
+            <a:lvl2pPr marL="457200" indent="0">
+              <a:buNone/>
+              <a:defRPr/>
+            </a:lvl2pPr>
+          </a:lstStyle>
+          <a:p>
+            <a:pPr lvl="0"/>
+            <a:r>
+              <a:rPr lang="en-US" dirty="0"/>
+              <a:t>[ Supp ] Button Links Here</a:t>
+            </a:r>
+          </a:p>
+        </p:txBody>
+      </p:sp>
+      <p:sp>
+        <p:nvSpPr>
+          <p:cNvPr id="20" name="Text Placeholder 19">
+            <a:extLst>
+              <a:ext uri="{FF2B5EF4-FFF2-40B4-BE49-F238E27FC236}">
+                <a16:creationId xmlns:a16="http://schemas.microsoft.com/office/drawing/2014/main" id="{AEAEA8C6-3F6B-C1D8-ADFC-2A97AE3FF502}"/>
+              </a:ext>
+            </a:extLst>
+          </p:cNvPr>
+          <p:cNvSpPr>
+            <a:spLocks noGrp="1"/>
+          </p:cNvSpPr>
+          <p:nvPr>
+            <p:ph type="body" sz="quarter" idx="17" hasCustomPrompt="1"/>
+          </p:nvPr>
+        </p:nvSpPr>
+        <p:spPr>
+          <a:xfrm>
+            <a:off x="2039937" y="3811588"/>
+            <a:ext cx="8269315" cy="695325"/>
+          </a:xfrm>
+        </p:spPr>
+        <p:txBody>
+          <a:bodyPr/>
+          <a:lstStyle>
+            <a:lvl1pPr marL="0" indent="0">
+              <a:buNone/>
+              <a:defRPr/>
+            </a:lvl1pPr>
+          </a:lstStyle>
+          <a:p>
+            <a:pPr lvl="0"/>
+            <a:r>
+              <a:rPr lang="en-US" dirty="0"/>
+              <a:t>Edit in Slide Master View (</a:t>
+            </a:r>
+            <a:r>
+              <a:rPr lang="en-US" dirty="0" err="1"/>
+              <a:t>Alt+Q</a:t>
+            </a:r>
+            <a:r>
+              <a:rPr lang="en-US" dirty="0"/>
+              <a:t> for search)</a:t>
+            </a:r>
           </a:p>
         </p:txBody>
       </p:sp>
@@ -1642,7 +1693,7 @@
         </p:nvSpPr>
         <p:spPr>
           <a:xfrm>
-            <a:off x="838200" y="1825625"/>
+            <a:off x="838200" y="1607140"/>
             <a:ext cx="10515600" cy="4351338"/>
           </a:xfrm>
           <a:prstGeom prst="rect">
@@ -2283,7 +2334,7 @@
           <p:cNvPr id="2" name="Title 1">
             <a:extLst>
               <a:ext uri="{FF2B5EF4-FFF2-40B4-BE49-F238E27FC236}">
-                <a16:creationId xmlns:a16="http://schemas.microsoft.com/office/drawing/2014/main" id="{4041FD49-51CB-4608-A3ED-30B7E304CBD6}"/>
+                <a16:creationId xmlns:a16="http://schemas.microsoft.com/office/drawing/2014/main" id="{94DF7F7F-A503-44AD-7BFC-CE768444B8CF}"/>
               </a:ext>
             </a:extLst>
           </p:cNvPr>
@@ -2299,16 +2350,41 @@
           <a:bodyPr/>
           <a:lstStyle/>
           <a:p>
-            <a:endParaRPr lang="en-US" dirty="0"/>
-          </a:p>
-        </p:txBody>
-      </p:sp>
-      <p:sp>
-        <p:nvSpPr>
-          <p:cNvPr id="3" name="Slide Number Placeholder 2">
-            <a:extLst>
-              <a:ext uri="{FF2B5EF4-FFF2-40B4-BE49-F238E27FC236}">
-                <a16:creationId xmlns:a16="http://schemas.microsoft.com/office/drawing/2014/main" id="{0D80111F-C31C-4236-B41A-2BA68657A3E1}"/>
+            <a:endParaRPr lang="en-US"/>
+          </a:p>
+        </p:txBody>
+      </p:sp>
+      <p:sp>
+        <p:nvSpPr>
+          <p:cNvPr id="3" name="Content Placeholder 2">
+            <a:extLst>
+              <a:ext uri="{FF2B5EF4-FFF2-40B4-BE49-F238E27FC236}">
+                <a16:creationId xmlns:a16="http://schemas.microsoft.com/office/drawing/2014/main" id="{40B6BB3A-7714-E155-B1A4-E0B7A130C5B5}"/>
+              </a:ext>
+            </a:extLst>
+          </p:cNvPr>
+          <p:cNvSpPr>
+            <a:spLocks noGrp="1"/>
+          </p:cNvSpPr>
+          <p:nvPr>
+            <p:ph idx="1"/>
+          </p:nvPr>
+        </p:nvSpPr>
+        <p:spPr/>
+        <p:txBody>
+          <a:bodyPr/>
+          <a:lstStyle/>
+          <a:p>
+            <a:endParaRPr lang="en-US"/>
+          </a:p>
+        </p:txBody>
+      </p:sp>
+      <p:sp>
+        <p:nvSpPr>
+          <p:cNvPr id="4" name="Slide Number Placeholder 3">
+            <a:extLst>
+              <a:ext uri="{FF2B5EF4-FFF2-40B4-BE49-F238E27FC236}">
+                <a16:creationId xmlns:a16="http://schemas.microsoft.com/office/drawing/2014/main" id="{69844F62-6D7E-F6FB-0737-5BB93BFC0145}"/>
               </a:ext>
             </a:extLst>
           </p:cNvPr>
@@ -2335,7 +2411,7 @@
     </p:spTree>
     <p:extLst>
       <p:ext uri="{BB962C8B-B14F-4D97-AF65-F5344CB8AC3E}">
-        <p14:creationId xmlns:p14="http://schemas.microsoft.com/office/powerpoint/2010/main" val="3762529990"/>
+        <p14:creationId xmlns:p14="http://schemas.microsoft.com/office/powerpoint/2010/main" val="4202549694"/>
       </p:ext>
     </p:extLst>
   </p:cSld>
@@ -2367,7 +2443,7 @@
           <p:cNvPr id="2" name="Title 1">
             <a:extLst>
               <a:ext uri="{FF2B5EF4-FFF2-40B4-BE49-F238E27FC236}">
-                <a16:creationId xmlns:a16="http://schemas.microsoft.com/office/drawing/2014/main" id="{21D43DE2-68CF-C82A-4FA0-AB56F16A509A}"/>
+                <a16:creationId xmlns:a16="http://schemas.microsoft.com/office/drawing/2014/main" id="{4041FD49-51CB-4608-A3ED-30B7E304CBD6}"/>
               </a:ext>
             </a:extLst>
           </p:cNvPr>
@@ -2392,7 +2468,7 @@
           <p:cNvPr id="3" name="Slide Number Placeholder 2">
             <a:extLst>
               <a:ext uri="{FF2B5EF4-FFF2-40B4-BE49-F238E27FC236}">
-                <a16:creationId xmlns:a16="http://schemas.microsoft.com/office/drawing/2014/main" id="{BA676DEF-5166-6802-6388-06B61F092EAE}"/>
+                <a16:creationId xmlns:a16="http://schemas.microsoft.com/office/drawing/2014/main" id="{0D80111F-C31C-4236-B41A-2BA68657A3E1}"/>
               </a:ext>
             </a:extLst>
           </p:cNvPr>
@@ -2412,39 +2488,257 @@
               <a:rPr lang="en-US" smtClean="0"/>
               <a:t>3</a:t>
             </a:fld>
-            <a:endParaRPr lang="en-US" dirty="0"/>
-          </a:p>
-        </p:txBody>
-      </p:sp>
-      <p:sp>
-        <p:nvSpPr>
-          <p:cNvPr id="4" name="Text Placeholder 3">
-            <a:extLst>
-              <a:ext uri="{FF2B5EF4-FFF2-40B4-BE49-F238E27FC236}">
-                <a16:creationId xmlns:a16="http://schemas.microsoft.com/office/drawing/2014/main" id="{033F5FAB-9580-E1E3-9B1D-CB2A2786C540}"/>
-              </a:ext>
-            </a:extLst>
-          </p:cNvPr>
-          <p:cNvSpPr>
-            <a:spLocks noGrp="1"/>
-          </p:cNvSpPr>
-          <p:nvPr>
-            <p:ph type="body" sz="quarter" idx="13"/>
-          </p:nvPr>
-        </p:nvSpPr>
-        <p:spPr/>
-        <p:txBody>
-          <a:bodyPr/>
-          <a:lstStyle/>
-          <a:p>
-            <a:endParaRPr lang="en-US" dirty="0"/>
+            <a:endParaRPr lang="en-US"/>
           </a:p>
         </p:txBody>
       </p:sp>
     </p:spTree>
     <p:extLst>
       <p:ext uri="{BB962C8B-B14F-4D97-AF65-F5344CB8AC3E}">
-        <p14:creationId xmlns:p14="http://schemas.microsoft.com/office/powerpoint/2010/main" val="482513817"/>
+        <p14:creationId xmlns:p14="http://schemas.microsoft.com/office/powerpoint/2010/main" val="3762529990"/>
+      </p:ext>
+    </p:extLst>
+  </p:cSld>
+  <p:clrMapOvr>
+    <a:masterClrMapping/>
+  </p:clrMapOvr>
+</p:sld>
+</file>
+
+<file path=ppt/slides/slide4.xml><?xml version="1.0" encoding="utf-8"?>
+<p:sld xmlns:a="http://schemas.openxmlformats.org/drawingml/2006/main" xmlns:r="http://schemas.openxmlformats.org/officeDocument/2006/relationships" xmlns:p="http://schemas.openxmlformats.org/presentationml/2006/main">
+  <p:cSld>
+    <p:spTree>
+      <p:nvGrpSpPr>
+        <p:cNvPr id="1" name=""/>
+        <p:cNvGrpSpPr/>
+        <p:nvPr/>
+      </p:nvGrpSpPr>
+      <p:grpSpPr>
+        <a:xfrm>
+          <a:off x="0" y="0"/>
+          <a:ext cx="0" cy="0"/>
+          <a:chOff x="0" y="0"/>
+          <a:chExt cx="0" cy="0"/>
+        </a:xfrm>
+      </p:grpSpPr>
+      <p:sp>
+        <p:nvSpPr>
+          <p:cNvPr id="2" name="Title 1">
+            <a:extLst>
+              <a:ext uri="{FF2B5EF4-FFF2-40B4-BE49-F238E27FC236}">
+                <a16:creationId xmlns:a16="http://schemas.microsoft.com/office/drawing/2014/main" id="{4CA91E95-33DA-91A4-CD99-C1597EF3F65D}"/>
+              </a:ext>
+            </a:extLst>
+          </p:cNvPr>
+          <p:cNvSpPr>
+            <a:spLocks noGrp="1"/>
+          </p:cNvSpPr>
+          <p:nvPr>
+            <p:ph type="title"/>
+          </p:nvPr>
+        </p:nvSpPr>
+        <p:spPr/>
+        <p:txBody>
+          <a:bodyPr/>
+          <a:lstStyle/>
+          <a:p>
+            <a:endParaRPr lang="en-US"/>
+          </a:p>
+        </p:txBody>
+      </p:sp>
+      <p:sp>
+        <p:nvSpPr>
+          <p:cNvPr id="3" name="Slide Number Placeholder 2">
+            <a:extLst>
+              <a:ext uri="{FF2B5EF4-FFF2-40B4-BE49-F238E27FC236}">
+                <a16:creationId xmlns:a16="http://schemas.microsoft.com/office/drawing/2014/main" id="{6A783110-A073-98B2-5FBE-808AF5A86ABD}"/>
+              </a:ext>
+            </a:extLst>
+          </p:cNvPr>
+          <p:cNvSpPr>
+            <a:spLocks noGrp="1"/>
+          </p:cNvSpPr>
+          <p:nvPr>
+            <p:ph type="sldNum" sz="quarter" idx="12"/>
+          </p:nvPr>
+        </p:nvSpPr>
+        <p:spPr/>
+        <p:txBody>
+          <a:bodyPr/>
+          <a:lstStyle/>
+          <a:p>
+            <a:fld id="{5911C0E6-D9CE-431C-92CB-BB39B872F930}" type="slidenum">
+              <a:rPr lang="en-US" smtClean="0"/>
+              <a:t>4</a:t>
+            </a:fld>
+            <a:endParaRPr lang="en-US" dirty="0"/>
+          </a:p>
+        </p:txBody>
+      </p:sp>
+      <p:sp>
+        <p:nvSpPr>
+          <p:cNvPr id="4" name="Text Placeholder 3">
+            <a:extLst>
+              <a:ext uri="{FF2B5EF4-FFF2-40B4-BE49-F238E27FC236}">
+                <a16:creationId xmlns:a16="http://schemas.microsoft.com/office/drawing/2014/main" id="{BE8C982E-2A8D-76CE-8EB7-4F5A2157CD54}"/>
+              </a:ext>
+            </a:extLst>
+          </p:cNvPr>
+          <p:cNvSpPr>
+            <a:spLocks noGrp="1"/>
+          </p:cNvSpPr>
+          <p:nvPr>
+            <p:ph type="body" sz="quarter" idx="13"/>
+          </p:nvPr>
+        </p:nvSpPr>
+        <p:spPr/>
+        <p:txBody>
+          <a:bodyPr/>
+          <a:lstStyle/>
+          <a:p>
+            <a:endParaRPr lang="en-US"/>
+          </a:p>
+        </p:txBody>
+      </p:sp>
+      <p:sp>
+        <p:nvSpPr>
+          <p:cNvPr id="5" name="Text Placeholder 4">
+            <a:extLst>
+              <a:ext uri="{FF2B5EF4-FFF2-40B4-BE49-F238E27FC236}">
+                <a16:creationId xmlns:a16="http://schemas.microsoft.com/office/drawing/2014/main" id="{3F241E8D-55C1-99C4-5EF5-10F746DDCF0A}"/>
+              </a:ext>
+            </a:extLst>
+          </p:cNvPr>
+          <p:cNvSpPr>
+            <a:spLocks noGrp="1"/>
+          </p:cNvSpPr>
+          <p:nvPr>
+            <p:ph type="body" sz="quarter" idx="16"/>
+          </p:nvPr>
+        </p:nvSpPr>
+        <p:spPr/>
+        <p:txBody>
+          <a:bodyPr/>
+          <a:lstStyle/>
+          <a:p>
+            <a:endParaRPr lang="en-US"/>
+          </a:p>
+        </p:txBody>
+      </p:sp>
+      <p:sp>
+        <p:nvSpPr>
+          <p:cNvPr id="6" name="Text Placeholder 5">
+            <a:extLst>
+              <a:ext uri="{FF2B5EF4-FFF2-40B4-BE49-F238E27FC236}">
+                <a16:creationId xmlns:a16="http://schemas.microsoft.com/office/drawing/2014/main" id="{52CF0AF2-9F88-0212-30F2-ADA3E42CCDF7}"/>
+              </a:ext>
+            </a:extLst>
+          </p:cNvPr>
+          <p:cNvSpPr>
+            <a:spLocks noGrp="1"/>
+          </p:cNvSpPr>
+          <p:nvPr>
+            <p:ph type="body" sz="quarter" idx="17"/>
+          </p:nvPr>
+        </p:nvSpPr>
+        <p:spPr/>
+        <p:txBody>
+          <a:bodyPr/>
+          <a:lstStyle/>
+          <a:p>
+            <a:endParaRPr lang="en-US"/>
+          </a:p>
+        </p:txBody>
+      </p:sp>
+    </p:spTree>
+    <p:extLst>
+      <p:ext uri="{BB962C8B-B14F-4D97-AF65-F5344CB8AC3E}">
+        <p14:creationId xmlns:p14="http://schemas.microsoft.com/office/powerpoint/2010/main" val="1863235849"/>
+      </p:ext>
+    </p:extLst>
+  </p:cSld>
+  <p:clrMapOvr>
+    <a:masterClrMapping/>
+  </p:clrMapOvr>
+</p:sld>
+</file>
+
+<file path=ppt/slides/slide5.xml><?xml version="1.0" encoding="utf-8"?>
+<p:sld xmlns:a="http://schemas.openxmlformats.org/drawingml/2006/main" xmlns:r="http://schemas.openxmlformats.org/officeDocument/2006/relationships" xmlns:p="http://schemas.openxmlformats.org/presentationml/2006/main">
+  <p:cSld>
+    <p:spTree>
+      <p:nvGrpSpPr>
+        <p:cNvPr id="1" name=""/>
+        <p:cNvGrpSpPr/>
+        <p:nvPr/>
+      </p:nvGrpSpPr>
+      <p:grpSpPr>
+        <a:xfrm>
+          <a:off x="0" y="0"/>
+          <a:ext cx="0" cy="0"/>
+          <a:chOff x="0" y="0"/>
+          <a:chExt cx="0" cy="0"/>
+        </a:xfrm>
+      </p:grpSpPr>
+      <p:sp>
+        <p:nvSpPr>
+          <p:cNvPr id="2" name="Title 1">
+            <a:extLst>
+              <a:ext uri="{FF2B5EF4-FFF2-40B4-BE49-F238E27FC236}">
+                <a16:creationId xmlns:a16="http://schemas.microsoft.com/office/drawing/2014/main" id="{C178F2BB-5E9E-FBDA-B15D-26F84DE6EB2F}"/>
+              </a:ext>
+            </a:extLst>
+          </p:cNvPr>
+          <p:cNvSpPr>
+            <a:spLocks noGrp="1"/>
+          </p:cNvSpPr>
+          <p:nvPr>
+            <p:ph type="title"/>
+          </p:nvPr>
+        </p:nvSpPr>
+        <p:spPr/>
+        <p:txBody>
+          <a:bodyPr/>
+          <a:lstStyle/>
+          <a:p>
+            <a:endParaRPr lang="en-US" dirty="0"/>
+          </a:p>
+        </p:txBody>
+      </p:sp>
+      <p:sp>
+        <p:nvSpPr>
+          <p:cNvPr id="3" name="Slide Number Placeholder 2">
+            <a:extLst>
+              <a:ext uri="{FF2B5EF4-FFF2-40B4-BE49-F238E27FC236}">
+                <a16:creationId xmlns:a16="http://schemas.microsoft.com/office/drawing/2014/main" id="{93FD622D-708A-F241-2841-11D37F6571E4}"/>
+              </a:ext>
+            </a:extLst>
+          </p:cNvPr>
+          <p:cNvSpPr>
+            <a:spLocks noGrp="1"/>
+          </p:cNvSpPr>
+          <p:nvPr>
+            <p:ph type="sldNum" sz="quarter" idx="12"/>
+          </p:nvPr>
+        </p:nvSpPr>
+        <p:spPr/>
+        <p:txBody>
+          <a:bodyPr/>
+          <a:lstStyle/>
+          <a:p>
+            <a:fld id="{5911C0E6-D9CE-431C-92CB-BB39B872F930}" type="slidenum">
+              <a:rPr lang="en-US" smtClean="0"/>
+              <a:t>5</a:t>
+            </a:fld>
+            <a:endParaRPr lang="en-US"/>
+          </a:p>
+        </p:txBody>
+      </p:sp>
+    </p:spTree>
+    <p:extLst>
+      <p:ext uri="{BB962C8B-B14F-4D97-AF65-F5344CB8AC3E}">
+        <p14:creationId xmlns:p14="http://schemas.microsoft.com/office/powerpoint/2010/main" val="2967026883"/>
       </p:ext>
     </p:extLst>
   </p:cSld>
@@ -2495,110 +2789,16 @@
         <a:srgbClr val="800080"/>
       </a:folHlink>
     </a:clrScheme>
-    <a:fontScheme name="Office">
+    <a:fontScheme name="Custom 2">
       <a:majorFont>
-        <a:latin typeface="Calibri Light" panose="020F0302020204030204"/>
+        <a:latin typeface="Lucida Grande"/>
         <a:ea typeface=""/>
         <a:cs typeface=""/>
-        <a:font script="Jpan" typeface="游ゴシック Light"/>
-        <a:font script="Hang" typeface="맑은 고딕"/>
-        <a:font script="Hans" typeface="等线 Light"/>
-        <a:font script="Hant" typeface="新細明體"/>
-        <a:font script="Arab" typeface="Times New Roman"/>
-        <a:font script="Hebr" typeface="Times New Roman"/>
-        <a:font script="Thai" typeface="Angsana New"/>
-        <a:font script="Ethi" typeface="Nyala"/>
-        <a:font script="Beng" typeface="Vrinda"/>
-        <a:font script="Gujr" typeface="Shruti"/>
-        <a:font script="Khmr" typeface="MoolBoran"/>
-        <a:font script="Knda" typeface="Tunga"/>
-        <a:font script="Guru" typeface="Raavi"/>
-        <a:font script="Cans" typeface="Euphemia"/>
-        <a:font script="Cher" typeface="Plantagenet Cherokee"/>
-        <a:font script="Yiii" typeface="Microsoft Yi Baiti"/>
-        <a:font script="Tibt" typeface="Microsoft Himalaya"/>
-        <a:font script="Thaa" typeface="MV Boli"/>
-        <a:font script="Deva" typeface="Mangal"/>
-        <a:font script="Telu" typeface="Gautami"/>
-        <a:font script="Taml" typeface="Latha"/>
-        <a:font script="Syrc" typeface="Estrangelo Edessa"/>
-        <a:font script="Orya" typeface="Kalinga"/>
-        <a:font script="Mlym" typeface="Kartika"/>
-        <a:font script="Laoo" typeface="DokChampa"/>
-        <a:font script="Sinh" typeface="Iskoola Pota"/>
-        <a:font script="Mong" typeface="Mongolian Baiti"/>
-        <a:font script="Viet" typeface="Times New Roman"/>
-        <a:font script="Uigh" typeface="Microsoft Uighur"/>
-        <a:font script="Geor" typeface="Sylfaen"/>
-        <a:font script="Armn" typeface="Arial"/>
-        <a:font script="Bugi" typeface="Leelawadee UI"/>
-        <a:font script="Bopo" typeface="Microsoft JhengHei"/>
-        <a:font script="Java" typeface="Javanese Text"/>
-        <a:font script="Lisu" typeface="Segoe UI"/>
-        <a:font script="Mymr" typeface="Myanmar Text"/>
-        <a:font script="Nkoo" typeface="Ebrima"/>
-        <a:font script="Olck" typeface="Nirmala UI"/>
-        <a:font script="Osma" typeface="Ebrima"/>
-        <a:font script="Phag" typeface="Phagspa"/>
-        <a:font script="Syrn" typeface="Estrangelo Edessa"/>
-        <a:font script="Syrj" typeface="Estrangelo Edessa"/>
-        <a:font script="Syre" typeface="Estrangelo Edessa"/>
-        <a:font script="Sora" typeface="Nirmala UI"/>
-        <a:font script="Tale" typeface="Microsoft Tai Le"/>
-        <a:font script="Talu" typeface="Microsoft New Tai Lue"/>
-        <a:font script="Tfng" typeface="Ebrima"/>
       </a:majorFont>
       <a:minorFont>
-        <a:latin typeface="Calibri" panose="020F0502020204030204"/>
+        <a:latin typeface="Lucida Grande"/>
         <a:ea typeface=""/>
         <a:cs typeface=""/>
-        <a:font script="Jpan" typeface="游ゴシック"/>
-        <a:font script="Hang" typeface="맑은 고딕"/>
-        <a:font script="Hans" typeface="等线"/>
-        <a:font script="Hant" typeface="新細明體"/>
-        <a:font script="Arab" typeface="Arial"/>
-        <a:font script="Hebr" typeface="Arial"/>
-        <a:font script="Thai" typeface="Cordia New"/>
-        <a:font script="Ethi" typeface="Nyala"/>
-        <a:font script="Beng" typeface="Vrinda"/>
-        <a:font script="Gujr" typeface="Shruti"/>
-        <a:font script="Khmr" typeface="DaunPenh"/>
-        <a:font script="Knda" typeface="Tunga"/>
-        <a:font script="Guru" typeface="Raavi"/>
-        <a:font script="Cans" typeface="Euphemia"/>
-        <a:font script="Cher" typeface="Plantagenet Cherokee"/>
-        <a:font script="Yiii" typeface="Microsoft Yi Baiti"/>
-        <a:font script="Tibt" typeface="Microsoft Himalaya"/>
-        <a:font script="Thaa" typeface="MV Boli"/>
-        <a:font script="Deva" typeface="Mangal"/>
-        <a:font script="Telu" typeface="Gautami"/>
-        <a:font script="Taml" typeface="Latha"/>
-        <a:font script="Syrc" typeface="Estrangelo Edessa"/>
-        <a:font script="Orya" typeface="Kalinga"/>
-        <a:font script="Mlym" typeface="Kartika"/>
-        <a:font script="Laoo" typeface="DokChampa"/>
-        <a:font script="Sinh" typeface="Iskoola Pota"/>
-        <a:font script="Mong" typeface="Mongolian Baiti"/>
-        <a:font script="Viet" typeface="Arial"/>
-        <a:font script="Uigh" typeface="Microsoft Uighur"/>
-        <a:font script="Geor" typeface="Sylfaen"/>
-        <a:font script="Armn" typeface="Arial"/>
-        <a:font script="Bugi" typeface="Leelawadee UI"/>
-        <a:font script="Bopo" typeface="Microsoft JhengHei"/>
-        <a:font script="Java" typeface="Javanese Text"/>
-        <a:font script="Lisu" typeface="Segoe UI"/>
-        <a:font script="Mymr" typeface="Myanmar Text"/>
-        <a:font script="Nkoo" typeface="Ebrima"/>
-        <a:font script="Olck" typeface="Nirmala UI"/>
-        <a:font script="Osma" typeface="Ebrima"/>
-        <a:font script="Phag" typeface="Phagspa"/>
-        <a:font script="Syrn" typeface="Estrangelo Edessa"/>
-        <a:font script="Syrj" typeface="Estrangelo Edessa"/>
-        <a:font script="Syre" typeface="Estrangelo Edessa"/>
-        <a:font script="Sora" typeface="Nirmala UI"/>
-        <a:font script="Tale" typeface="Microsoft Tai Le"/>
-        <a:font script="Talu" typeface="Microsoft New Tai Lue"/>
-        <a:font script="Tfng" typeface="Ebrima"/>
       </a:minorFont>
     </a:fontScheme>
     <a:fmtScheme name="Office">

--- a/(0) Template.pptx
+++ b/(0) Template.pptx
@@ -2751,7 +2751,7 @@
 <file path=ppt/theme/theme1.xml><?xml version="1.0" encoding="utf-8"?>
 <a:theme xmlns:a="http://schemas.openxmlformats.org/drawingml/2006/main" name="Office Theme">
   <a:themeElements>
-    <a:clrScheme name="Custom 15">
+    <a:clrScheme name="Custom 17">
       <a:dk1>
         <a:sysClr val="windowText" lastClr="000000"/>
       </a:dk1>
@@ -2783,10 +2783,10 @@
         <a:srgbClr val="F79646"/>
       </a:accent6>
       <a:hlink>
-        <a:srgbClr val="0000FF"/>
+        <a:srgbClr val="44546A"/>
       </a:hlink>
       <a:folHlink>
-        <a:srgbClr val="800080"/>
+        <a:srgbClr val="44546A"/>
       </a:folHlink>
     </a:clrScheme>
     <a:fontScheme name="Custom 2">

--- a/(0) Template.pptx
+++ b/(0) Template.pptx
@@ -201,7 +201,7 @@
           <a:p>
             <a:fld id="{4299902A-6DB3-4A13-9B91-BEABFDA2FC16}" type="datetimeFigureOut">
               <a:rPr lang="en-US" smtClean="0"/>
-              <a:t>8/17/2022</a:t>
+              <a:t>3/1/2023</a:t>
             </a:fld>
             <a:endParaRPr lang="en-US"/>
           </a:p>
@@ -2375,7 +2375,18 @@
           <a:bodyPr/>
           <a:lstStyle/>
           <a:p>
-            <a:endParaRPr lang="en-US"/>
+            <a:pPr>
+              <a:lnSpc>
+                <a:spcPct val="100000"/>
+              </a:lnSpc>
+              <a:spcBef>
+                <a:spcPts val="0"/>
+              </a:spcBef>
+              <a:spcAft>
+                <a:spcPts val="1000"/>
+              </a:spcAft>
+            </a:pPr>
+            <a:endParaRPr lang="en-US" dirty="0"/>
           </a:p>
         </p:txBody>
       </p:sp>
